--- a/prezentacia.pptx
+++ b/prezentacia.pptx
@@ -1,23 +1,130 @@
 
 <file path=ppt/presentation.xml><?xml version="1.0" encoding="utf-8"?>
-<p:presentation xmlns:a="http://schemas.openxmlformats.org/drawingml/2006/main" xmlns:p="http://schemas.openxmlformats.org/presentationml/2006/main" xmlns:r="http://schemas.openxmlformats.org/officeDocument/2006/relationships">
+<p:presentation xmlns:a="http://schemas.openxmlformats.org/drawingml/2006/main" xmlns:r="http://schemas.openxmlformats.org/officeDocument/2006/relationships" xmlns:p="http://schemas.openxmlformats.org/presentationml/2006/main">
   <p:sldMasterIdLst>
-    <p:sldMasterId id="2147483648" r:id="rId2"/>
+    <p:sldMasterId id="2147483648" r:id="rId1"/>
   </p:sldMasterIdLst>
   <p:sldIdLst>
-    <p:sldId id="256" r:id="rId3"/>
-    <p:sldId id="257" r:id="rId4"/>
-    <p:sldId id="258" r:id="rId5"/>
-    <p:sldId id="259" r:id="rId6"/>
-    <p:sldId id="260" r:id="rId7"/>
+    <p:sldId id="256" r:id="rId2"/>
+    <p:sldId id="257" r:id="rId3"/>
+    <p:sldId id="258" r:id="rId4"/>
+    <p:sldId id="259" r:id="rId5"/>
+    <p:sldId id="261" r:id="rId6"/>
+    <p:sldId id="262" r:id="rId7"/>
+    <p:sldId id="263" r:id="rId8"/>
+    <p:sldId id="264" r:id="rId9"/>
+    <p:sldId id="265" r:id="rId10"/>
+    <p:sldId id="266" r:id="rId11"/>
+    <p:sldId id="260" r:id="rId12"/>
+    <p:sldId id="267" r:id="rId13"/>
   </p:sldIdLst>
   <p:sldSz cx="10077450" cy="7562850"/>
-  <p:notesSz cx="7559675" cy="10691812"/>
+  <p:notesSz cx="7559675" cy="10691813"/>
+  <p:defaultTextStyle>
+    <a:defPPr>
+      <a:defRPr lang="sk-SK"/>
+    </a:defPPr>
+    <a:lvl1pPr marL="0" algn="l" defTabSz="914400" rtl="0" eaLnBrk="1" latinLnBrk="0" hangingPunct="1">
+      <a:defRPr sz="1800" kern="1200">
+        <a:solidFill>
+          <a:schemeClr val="tx1"/>
+        </a:solidFill>
+        <a:latin typeface="+mn-lt"/>
+        <a:ea typeface="+mn-ea"/>
+        <a:cs typeface="+mn-cs"/>
+      </a:defRPr>
+    </a:lvl1pPr>
+    <a:lvl2pPr marL="457200" algn="l" defTabSz="914400" rtl="0" eaLnBrk="1" latinLnBrk="0" hangingPunct="1">
+      <a:defRPr sz="1800" kern="1200">
+        <a:solidFill>
+          <a:schemeClr val="tx1"/>
+        </a:solidFill>
+        <a:latin typeface="+mn-lt"/>
+        <a:ea typeface="+mn-ea"/>
+        <a:cs typeface="+mn-cs"/>
+      </a:defRPr>
+    </a:lvl2pPr>
+    <a:lvl3pPr marL="914400" algn="l" defTabSz="914400" rtl="0" eaLnBrk="1" latinLnBrk="0" hangingPunct="1">
+      <a:defRPr sz="1800" kern="1200">
+        <a:solidFill>
+          <a:schemeClr val="tx1"/>
+        </a:solidFill>
+        <a:latin typeface="+mn-lt"/>
+        <a:ea typeface="+mn-ea"/>
+        <a:cs typeface="+mn-cs"/>
+      </a:defRPr>
+    </a:lvl3pPr>
+    <a:lvl4pPr marL="1371600" algn="l" defTabSz="914400" rtl="0" eaLnBrk="1" latinLnBrk="0" hangingPunct="1">
+      <a:defRPr sz="1800" kern="1200">
+        <a:solidFill>
+          <a:schemeClr val="tx1"/>
+        </a:solidFill>
+        <a:latin typeface="+mn-lt"/>
+        <a:ea typeface="+mn-ea"/>
+        <a:cs typeface="+mn-cs"/>
+      </a:defRPr>
+    </a:lvl4pPr>
+    <a:lvl5pPr marL="1828800" algn="l" defTabSz="914400" rtl="0" eaLnBrk="1" latinLnBrk="0" hangingPunct="1">
+      <a:defRPr sz="1800" kern="1200">
+        <a:solidFill>
+          <a:schemeClr val="tx1"/>
+        </a:solidFill>
+        <a:latin typeface="+mn-lt"/>
+        <a:ea typeface="+mn-ea"/>
+        <a:cs typeface="+mn-cs"/>
+      </a:defRPr>
+    </a:lvl5pPr>
+    <a:lvl6pPr marL="2286000" algn="l" defTabSz="914400" rtl="0" eaLnBrk="1" latinLnBrk="0" hangingPunct="1">
+      <a:defRPr sz="1800" kern="1200">
+        <a:solidFill>
+          <a:schemeClr val="tx1"/>
+        </a:solidFill>
+        <a:latin typeface="+mn-lt"/>
+        <a:ea typeface="+mn-ea"/>
+        <a:cs typeface="+mn-cs"/>
+      </a:defRPr>
+    </a:lvl6pPr>
+    <a:lvl7pPr marL="2743200" algn="l" defTabSz="914400" rtl="0" eaLnBrk="1" latinLnBrk="0" hangingPunct="1">
+      <a:defRPr sz="1800" kern="1200">
+        <a:solidFill>
+          <a:schemeClr val="tx1"/>
+        </a:solidFill>
+        <a:latin typeface="+mn-lt"/>
+        <a:ea typeface="+mn-ea"/>
+        <a:cs typeface="+mn-cs"/>
+      </a:defRPr>
+    </a:lvl7pPr>
+    <a:lvl8pPr marL="3200400" algn="l" defTabSz="914400" rtl="0" eaLnBrk="1" latinLnBrk="0" hangingPunct="1">
+      <a:defRPr sz="1800" kern="1200">
+        <a:solidFill>
+          <a:schemeClr val="tx1"/>
+        </a:solidFill>
+        <a:latin typeface="+mn-lt"/>
+        <a:ea typeface="+mn-ea"/>
+        <a:cs typeface="+mn-cs"/>
+      </a:defRPr>
+    </a:lvl8pPr>
+    <a:lvl9pPr marL="3657600" algn="l" defTabSz="914400" rtl="0" eaLnBrk="1" latinLnBrk="0" hangingPunct="1">
+      <a:defRPr sz="1800" kern="1200">
+        <a:solidFill>
+          <a:schemeClr val="tx1"/>
+        </a:solidFill>
+        <a:latin typeface="+mn-lt"/>
+        <a:ea typeface="+mn-ea"/>
+        <a:cs typeface="+mn-cs"/>
+      </a:defRPr>
+    </a:lvl9pPr>
+  </p:defaultTextStyle>
+  <p:extLst>
+    <p:ext uri="{EFAFB233-063F-42B5-8137-9DF3F51BA10A}">
+      <p15:sldGuideLst xmlns:p15="http://schemas.microsoft.com/office/powerpoint/2012/main"/>
+    </p:ext>
+  </p:extLst>
 </p:presentation>
 </file>
 
 <file path=ppt/slideLayouts/slideLayout1.xml><?xml version="1.0" encoding="utf-8"?>
-<p:sldLayout xmlns:a="http://schemas.openxmlformats.org/drawingml/2006/main" xmlns:p="http://schemas.openxmlformats.org/presentationml/2006/main" xmlns:r="http://schemas.openxmlformats.org/officeDocument/2006/relationships" type="blank" preserve="1">
+<p:sldLayout xmlns:a="http://schemas.openxmlformats.org/drawingml/2006/main" xmlns:r="http://schemas.openxmlformats.org/officeDocument/2006/relationships" xmlns:p="http://schemas.openxmlformats.org/presentationml/2006/main" type="blank" preserve="1">
   <p:cSld name="Blank Slide">
     <p:spTree>
       <p:nvGrpSpPr>
@@ -35,11 +142,14 @@
       </p:grpSpPr>
     </p:spTree>
   </p:cSld>
+  <p:clrMapOvr>
+    <a:masterClrMapping/>
+  </p:clrMapOvr>
 </p:sldLayout>
 </file>
 
 <file path=ppt/slideLayouts/slideLayout10.xml><?xml version="1.0" encoding="utf-8"?>
-<p:sldLayout xmlns:a="http://schemas.openxmlformats.org/drawingml/2006/main" xmlns:p="http://schemas.openxmlformats.org/presentationml/2006/main" xmlns:r="http://schemas.openxmlformats.org/officeDocument/2006/relationships" type="objOverTx" preserve="1">
+<p:sldLayout xmlns:a="http://schemas.openxmlformats.org/drawingml/2006/main" xmlns:r="http://schemas.openxmlformats.org/officeDocument/2006/relationships" xmlns:p="http://schemas.openxmlformats.org/presentationml/2006/main" type="objOverTx" preserve="1">
   <p:cSld name="Title, Content over Content">
     <p:spTree>
       <p:nvGrpSpPr>
@@ -75,7 +185,8 @@
           </a:prstGeom>
         </p:spPr>
         <p:txBody>
-          <a:bodyPr lIns="0" rIns="0" tIns="0" bIns="0" anchor="ctr"/>
+          <a:bodyPr lIns="0" tIns="0" rIns="0" bIns="0" anchor="ctr"/>
+          <a:lstStyle/>
           <a:p>
             <a:pPr algn="ctr"/>
             <a:endParaRPr/>
@@ -102,7 +213,8 @@
           </a:prstGeom>
         </p:spPr>
         <p:txBody>
-          <a:bodyPr lIns="0" rIns="0" tIns="0" bIns="0"/>
+          <a:bodyPr lIns="0" tIns="0" rIns="0" bIns="0"/>
+          <a:lstStyle/>
           <a:p>
             <a:endParaRPr/>
           </a:p>
@@ -128,7 +240,8 @@
           </a:prstGeom>
         </p:spPr>
         <p:txBody>
-          <a:bodyPr lIns="0" rIns="0" tIns="0" bIns="0"/>
+          <a:bodyPr lIns="0" tIns="0" rIns="0" bIns="0"/>
+          <a:lstStyle/>
           <a:p>
             <a:endParaRPr/>
           </a:p>
@@ -136,11 +249,14 @@
       </p:sp>
     </p:spTree>
   </p:cSld>
+  <p:clrMapOvr>
+    <a:masterClrMapping/>
+  </p:clrMapOvr>
 </p:sldLayout>
 </file>
 
 <file path=ppt/slideLayouts/slideLayout11.xml><?xml version="1.0" encoding="utf-8"?>
-<p:sldLayout xmlns:a="http://schemas.openxmlformats.org/drawingml/2006/main" xmlns:p="http://schemas.openxmlformats.org/presentationml/2006/main" xmlns:r="http://schemas.openxmlformats.org/officeDocument/2006/relationships" type="fourObj" preserve="1">
+<p:sldLayout xmlns:a="http://schemas.openxmlformats.org/drawingml/2006/main" xmlns:r="http://schemas.openxmlformats.org/officeDocument/2006/relationships" xmlns:p="http://schemas.openxmlformats.org/presentationml/2006/main" type="fourObj" preserve="1">
   <p:cSld name="Title, 4 Content">
     <p:spTree>
       <p:nvGrpSpPr>
@@ -176,7 +292,8 @@
           </a:prstGeom>
         </p:spPr>
         <p:txBody>
-          <a:bodyPr lIns="0" rIns="0" tIns="0" bIns="0" anchor="ctr"/>
+          <a:bodyPr lIns="0" tIns="0" rIns="0" bIns="0" anchor="ctr"/>
+          <a:lstStyle/>
           <a:p>
             <a:pPr algn="ctr"/>
             <a:endParaRPr/>
@@ -203,7 +320,8 @@
           </a:prstGeom>
         </p:spPr>
         <p:txBody>
-          <a:bodyPr lIns="0" rIns="0" tIns="0" bIns="0"/>
+          <a:bodyPr lIns="0" tIns="0" rIns="0" bIns="0"/>
+          <a:lstStyle/>
           <a:p>
             <a:endParaRPr/>
           </a:p>
@@ -229,7 +347,8 @@
           </a:prstGeom>
         </p:spPr>
         <p:txBody>
-          <a:bodyPr lIns="0" rIns="0" tIns="0" bIns="0"/>
+          <a:bodyPr lIns="0" tIns="0" rIns="0" bIns="0"/>
+          <a:lstStyle/>
           <a:p>
             <a:endParaRPr/>
           </a:p>
@@ -255,7 +374,8 @@
           </a:prstGeom>
         </p:spPr>
         <p:txBody>
-          <a:bodyPr lIns="0" rIns="0" tIns="0" bIns="0"/>
+          <a:bodyPr lIns="0" tIns="0" rIns="0" bIns="0"/>
+          <a:lstStyle/>
           <a:p>
             <a:endParaRPr/>
           </a:p>
@@ -281,7 +401,8 @@
           </a:prstGeom>
         </p:spPr>
         <p:txBody>
-          <a:bodyPr lIns="0" rIns="0" tIns="0" bIns="0"/>
+          <a:bodyPr lIns="0" tIns="0" rIns="0" bIns="0"/>
+          <a:lstStyle/>
           <a:p>
             <a:endParaRPr/>
           </a:p>
@@ -289,11 +410,14 @@
       </p:sp>
     </p:spTree>
   </p:cSld>
+  <p:clrMapOvr>
+    <a:masterClrMapping/>
+  </p:clrMapOvr>
 </p:sldLayout>
 </file>
 
 <file path=ppt/slideLayouts/slideLayout12.xml><?xml version="1.0" encoding="utf-8"?>
-<p:sldLayout xmlns:a="http://schemas.openxmlformats.org/drawingml/2006/main" xmlns:p="http://schemas.openxmlformats.org/presentationml/2006/main" xmlns:r="http://schemas.openxmlformats.org/officeDocument/2006/relationships" type="blank" preserve="1">
+<p:sldLayout xmlns:a="http://schemas.openxmlformats.org/drawingml/2006/main" xmlns:r="http://schemas.openxmlformats.org/officeDocument/2006/relationships" xmlns:p="http://schemas.openxmlformats.org/presentationml/2006/main" type="blank" preserve="1">
   <p:cSld name="Title, 6 Content">
     <p:spTree>
       <p:nvGrpSpPr>
@@ -329,7 +453,8 @@
           </a:prstGeom>
         </p:spPr>
         <p:txBody>
-          <a:bodyPr lIns="0" rIns="0" tIns="0" bIns="0" anchor="ctr"/>
+          <a:bodyPr lIns="0" tIns="0" rIns="0" bIns="0" anchor="ctr"/>
+          <a:lstStyle/>
           <a:p>
             <a:pPr algn="ctr"/>
             <a:endParaRPr/>
@@ -356,7 +481,8 @@
           </a:prstGeom>
         </p:spPr>
         <p:txBody>
-          <a:bodyPr lIns="0" rIns="0" tIns="0" bIns="0"/>
+          <a:bodyPr lIns="0" tIns="0" rIns="0" bIns="0"/>
+          <a:lstStyle/>
           <a:p>
             <a:endParaRPr/>
           </a:p>
@@ -382,7 +508,8 @@
           </a:prstGeom>
         </p:spPr>
         <p:txBody>
-          <a:bodyPr lIns="0" rIns="0" tIns="0" bIns="0"/>
+          <a:bodyPr lIns="0" tIns="0" rIns="0" bIns="0"/>
+          <a:lstStyle/>
           <a:p>
             <a:endParaRPr/>
           </a:p>
@@ -390,7 +517,7 @@
       </p:sp>
       <p:pic>
         <p:nvPicPr>
-          <p:cNvPr id="37" name="" descr=""/>
+          <p:cNvPr id="37" name="Obrázok 36"/>
           <p:cNvPicPr/>
           <p:nvPr/>
         </p:nvPicPr>
@@ -413,12 +540,12 @@
       </p:pic>
       <p:pic>
         <p:nvPicPr>
-          <p:cNvPr id="38" name="" descr=""/>
+          <p:cNvPr id="38" name="Obrázok 37"/>
           <p:cNvPicPr/>
           <p:nvPr/>
         </p:nvPicPr>
         <p:blipFill>
-          <a:blip r:embed="rId3"/>
+          <a:blip r:embed="rId2"/>
           <a:stretch/>
         </p:blipFill>
         <p:spPr>
@@ -436,11 +563,14 @@
       </p:pic>
     </p:spTree>
   </p:cSld>
+  <p:clrMapOvr>
+    <a:masterClrMapping/>
+  </p:clrMapOvr>
 </p:sldLayout>
 </file>
 
 <file path=ppt/slideLayouts/slideLayout2.xml><?xml version="1.0" encoding="utf-8"?>
-<p:sldLayout xmlns:a="http://schemas.openxmlformats.org/drawingml/2006/main" xmlns:p="http://schemas.openxmlformats.org/presentationml/2006/main" xmlns:r="http://schemas.openxmlformats.org/officeDocument/2006/relationships" type="tx" preserve="1">
+<p:sldLayout xmlns:a="http://schemas.openxmlformats.org/drawingml/2006/main" xmlns:r="http://schemas.openxmlformats.org/officeDocument/2006/relationships" xmlns:p="http://schemas.openxmlformats.org/presentationml/2006/main" type="tx" preserve="1">
   <p:cSld name="Title Slide">
     <p:spTree>
       <p:nvGrpSpPr>
@@ -476,7 +606,8 @@
           </a:prstGeom>
         </p:spPr>
         <p:txBody>
-          <a:bodyPr lIns="0" rIns="0" tIns="0" bIns="0" anchor="ctr"/>
+          <a:bodyPr lIns="0" tIns="0" rIns="0" bIns="0" anchor="ctr"/>
+          <a:lstStyle/>
           <a:p>
             <a:pPr algn="ctr"/>
             <a:endParaRPr/>
@@ -503,7 +634,8 @@
           </a:prstGeom>
         </p:spPr>
         <p:txBody>
-          <a:bodyPr lIns="0" rIns="0" tIns="0" bIns="0" anchor="ctr"/>
+          <a:bodyPr lIns="0" tIns="0" rIns="0" bIns="0" anchor="ctr"/>
+          <a:lstStyle/>
           <a:p>
             <a:pPr algn="ctr"/>
             <a:endParaRPr/>
@@ -512,11 +644,14 @@
       </p:sp>
     </p:spTree>
   </p:cSld>
+  <p:clrMapOvr>
+    <a:masterClrMapping/>
+  </p:clrMapOvr>
 </p:sldLayout>
 </file>
 
 <file path=ppt/slideLayouts/slideLayout3.xml><?xml version="1.0" encoding="utf-8"?>
-<p:sldLayout xmlns:a="http://schemas.openxmlformats.org/drawingml/2006/main" xmlns:p="http://schemas.openxmlformats.org/presentationml/2006/main" xmlns:r="http://schemas.openxmlformats.org/officeDocument/2006/relationships" type="obj" preserve="1">
+<p:sldLayout xmlns:a="http://schemas.openxmlformats.org/drawingml/2006/main" xmlns:r="http://schemas.openxmlformats.org/officeDocument/2006/relationships" xmlns:p="http://schemas.openxmlformats.org/presentationml/2006/main" type="obj" preserve="1">
   <p:cSld name="Title, Content">
     <p:spTree>
       <p:nvGrpSpPr>
@@ -552,7 +687,8 @@
           </a:prstGeom>
         </p:spPr>
         <p:txBody>
-          <a:bodyPr lIns="0" rIns="0" tIns="0" bIns="0" anchor="ctr"/>
+          <a:bodyPr lIns="0" tIns="0" rIns="0" bIns="0" anchor="ctr"/>
+          <a:lstStyle/>
           <a:p>
             <a:pPr algn="ctr"/>
             <a:endParaRPr/>
@@ -579,7 +715,8 @@
           </a:prstGeom>
         </p:spPr>
         <p:txBody>
-          <a:bodyPr lIns="0" rIns="0" tIns="0" bIns="0"/>
+          <a:bodyPr lIns="0" tIns="0" rIns="0" bIns="0"/>
+          <a:lstStyle/>
           <a:p>
             <a:endParaRPr/>
           </a:p>
@@ -587,11 +724,14 @@
       </p:sp>
     </p:spTree>
   </p:cSld>
+  <p:clrMapOvr>
+    <a:masterClrMapping/>
+  </p:clrMapOvr>
 </p:sldLayout>
 </file>
 
 <file path=ppt/slideLayouts/slideLayout4.xml><?xml version="1.0" encoding="utf-8"?>
-<p:sldLayout xmlns:a="http://schemas.openxmlformats.org/drawingml/2006/main" xmlns:p="http://schemas.openxmlformats.org/presentationml/2006/main" xmlns:r="http://schemas.openxmlformats.org/officeDocument/2006/relationships" type="twoObj" preserve="1">
+<p:sldLayout xmlns:a="http://schemas.openxmlformats.org/drawingml/2006/main" xmlns:r="http://schemas.openxmlformats.org/officeDocument/2006/relationships" xmlns:p="http://schemas.openxmlformats.org/presentationml/2006/main" type="twoObj" preserve="1">
   <p:cSld name="Title, 2 Content">
     <p:spTree>
       <p:nvGrpSpPr>
@@ -627,7 +767,8 @@
           </a:prstGeom>
         </p:spPr>
         <p:txBody>
-          <a:bodyPr lIns="0" rIns="0" tIns="0" bIns="0" anchor="ctr"/>
+          <a:bodyPr lIns="0" tIns="0" rIns="0" bIns="0" anchor="ctr"/>
+          <a:lstStyle/>
           <a:p>
             <a:pPr algn="ctr"/>
             <a:endParaRPr/>
@@ -654,7 +795,8 @@
           </a:prstGeom>
         </p:spPr>
         <p:txBody>
-          <a:bodyPr lIns="0" rIns="0" tIns="0" bIns="0"/>
+          <a:bodyPr lIns="0" tIns="0" rIns="0" bIns="0"/>
+          <a:lstStyle/>
           <a:p>
             <a:endParaRPr/>
           </a:p>
@@ -680,7 +822,8 @@
           </a:prstGeom>
         </p:spPr>
         <p:txBody>
-          <a:bodyPr lIns="0" rIns="0" tIns="0" bIns="0"/>
+          <a:bodyPr lIns="0" tIns="0" rIns="0" bIns="0"/>
+          <a:lstStyle/>
           <a:p>
             <a:endParaRPr/>
           </a:p>
@@ -688,11 +831,14 @@
       </p:sp>
     </p:spTree>
   </p:cSld>
+  <p:clrMapOvr>
+    <a:masterClrMapping/>
+  </p:clrMapOvr>
 </p:sldLayout>
 </file>
 
 <file path=ppt/slideLayouts/slideLayout5.xml><?xml version="1.0" encoding="utf-8"?>
-<p:sldLayout xmlns:a="http://schemas.openxmlformats.org/drawingml/2006/main" xmlns:p="http://schemas.openxmlformats.org/presentationml/2006/main" xmlns:r="http://schemas.openxmlformats.org/officeDocument/2006/relationships" type="titleOnly" preserve="1">
+<p:sldLayout xmlns:a="http://schemas.openxmlformats.org/drawingml/2006/main" xmlns:r="http://schemas.openxmlformats.org/officeDocument/2006/relationships" xmlns:p="http://schemas.openxmlformats.org/presentationml/2006/main" type="titleOnly" preserve="1">
   <p:cSld name="Title Only">
     <p:spTree>
       <p:nvGrpSpPr>
@@ -728,7 +874,8 @@
           </a:prstGeom>
         </p:spPr>
         <p:txBody>
-          <a:bodyPr lIns="0" rIns="0" tIns="0" bIns="0" anchor="ctr"/>
+          <a:bodyPr lIns="0" tIns="0" rIns="0" bIns="0" anchor="ctr"/>
+          <a:lstStyle/>
           <a:p>
             <a:pPr algn="ctr"/>
             <a:endParaRPr/>
@@ -737,11 +884,14 @@
       </p:sp>
     </p:spTree>
   </p:cSld>
+  <p:clrMapOvr>
+    <a:masterClrMapping/>
+  </p:clrMapOvr>
 </p:sldLayout>
 </file>
 
 <file path=ppt/slideLayouts/slideLayout6.xml><?xml version="1.0" encoding="utf-8"?>
-<p:sldLayout xmlns:a="http://schemas.openxmlformats.org/drawingml/2006/main" xmlns:p="http://schemas.openxmlformats.org/presentationml/2006/main" xmlns:r="http://schemas.openxmlformats.org/officeDocument/2006/relationships" type="objOnly" preserve="1">
+<p:sldLayout xmlns:a="http://schemas.openxmlformats.org/drawingml/2006/main" xmlns:r="http://schemas.openxmlformats.org/officeDocument/2006/relationships" xmlns:p="http://schemas.openxmlformats.org/presentationml/2006/main" type="objOnly" preserve="1">
   <p:cSld name="Centered Text">
     <p:spTree>
       <p:nvGrpSpPr>
@@ -777,7 +927,8 @@
           </a:prstGeom>
         </p:spPr>
         <p:txBody>
-          <a:bodyPr lIns="0" rIns="0" tIns="0" bIns="0" anchor="ctr"/>
+          <a:bodyPr lIns="0" tIns="0" rIns="0" bIns="0" anchor="ctr"/>
+          <a:lstStyle/>
           <a:p>
             <a:pPr algn="ctr"/>
             <a:endParaRPr/>
@@ -786,11 +937,14 @@
       </p:sp>
     </p:spTree>
   </p:cSld>
+  <p:clrMapOvr>
+    <a:masterClrMapping/>
+  </p:clrMapOvr>
 </p:sldLayout>
 </file>
 
 <file path=ppt/slideLayouts/slideLayout7.xml><?xml version="1.0" encoding="utf-8"?>
-<p:sldLayout xmlns:a="http://schemas.openxmlformats.org/drawingml/2006/main" xmlns:p="http://schemas.openxmlformats.org/presentationml/2006/main" xmlns:r="http://schemas.openxmlformats.org/officeDocument/2006/relationships" type="twoObjAndObj" preserve="1">
+<p:sldLayout xmlns:a="http://schemas.openxmlformats.org/drawingml/2006/main" xmlns:r="http://schemas.openxmlformats.org/officeDocument/2006/relationships" xmlns:p="http://schemas.openxmlformats.org/presentationml/2006/main" type="twoObjAndObj" preserve="1">
   <p:cSld name="Title, 2 Content and Content">
     <p:spTree>
       <p:nvGrpSpPr>
@@ -826,7 +980,8 @@
           </a:prstGeom>
         </p:spPr>
         <p:txBody>
-          <a:bodyPr lIns="0" rIns="0" tIns="0" bIns="0" anchor="ctr"/>
+          <a:bodyPr lIns="0" tIns="0" rIns="0" bIns="0" anchor="ctr"/>
+          <a:lstStyle/>
           <a:p>
             <a:pPr algn="ctr"/>
             <a:endParaRPr/>
@@ -853,7 +1008,8 @@
           </a:prstGeom>
         </p:spPr>
         <p:txBody>
-          <a:bodyPr lIns="0" rIns="0" tIns="0" bIns="0"/>
+          <a:bodyPr lIns="0" tIns="0" rIns="0" bIns="0"/>
+          <a:lstStyle/>
           <a:p>
             <a:endParaRPr/>
           </a:p>
@@ -879,7 +1035,8 @@
           </a:prstGeom>
         </p:spPr>
         <p:txBody>
-          <a:bodyPr lIns="0" rIns="0" tIns="0" bIns="0"/>
+          <a:bodyPr lIns="0" tIns="0" rIns="0" bIns="0"/>
+          <a:lstStyle/>
           <a:p>
             <a:endParaRPr/>
           </a:p>
@@ -905,7 +1062,8 @@
           </a:prstGeom>
         </p:spPr>
         <p:txBody>
-          <a:bodyPr lIns="0" rIns="0" tIns="0" bIns="0"/>
+          <a:bodyPr lIns="0" tIns="0" rIns="0" bIns="0"/>
+          <a:lstStyle/>
           <a:p>
             <a:endParaRPr/>
           </a:p>
@@ -913,11 +1071,14 @@
       </p:sp>
     </p:spTree>
   </p:cSld>
+  <p:clrMapOvr>
+    <a:masterClrMapping/>
+  </p:clrMapOvr>
 </p:sldLayout>
 </file>
 
 <file path=ppt/slideLayouts/slideLayout8.xml><?xml version="1.0" encoding="utf-8"?>
-<p:sldLayout xmlns:a="http://schemas.openxmlformats.org/drawingml/2006/main" xmlns:p="http://schemas.openxmlformats.org/presentationml/2006/main" xmlns:r="http://schemas.openxmlformats.org/officeDocument/2006/relationships" type="objAndTwoObj" preserve="1">
+<p:sldLayout xmlns:a="http://schemas.openxmlformats.org/drawingml/2006/main" xmlns:r="http://schemas.openxmlformats.org/officeDocument/2006/relationships" xmlns:p="http://schemas.openxmlformats.org/presentationml/2006/main" type="objAndTwoObj" preserve="1">
   <p:cSld name="Title Content and 2 Content">
     <p:spTree>
       <p:nvGrpSpPr>
@@ -953,7 +1114,8 @@
           </a:prstGeom>
         </p:spPr>
         <p:txBody>
-          <a:bodyPr lIns="0" rIns="0" tIns="0" bIns="0" anchor="ctr"/>
+          <a:bodyPr lIns="0" tIns="0" rIns="0" bIns="0" anchor="ctr"/>
+          <a:lstStyle/>
           <a:p>
             <a:pPr algn="ctr"/>
             <a:endParaRPr/>
@@ -980,7 +1142,8 @@
           </a:prstGeom>
         </p:spPr>
         <p:txBody>
-          <a:bodyPr lIns="0" rIns="0" tIns="0" bIns="0"/>
+          <a:bodyPr lIns="0" tIns="0" rIns="0" bIns="0"/>
+          <a:lstStyle/>
           <a:p>
             <a:endParaRPr/>
           </a:p>
@@ -1006,7 +1169,8 @@
           </a:prstGeom>
         </p:spPr>
         <p:txBody>
-          <a:bodyPr lIns="0" rIns="0" tIns="0" bIns="0"/>
+          <a:bodyPr lIns="0" tIns="0" rIns="0" bIns="0"/>
+          <a:lstStyle/>
           <a:p>
             <a:endParaRPr/>
           </a:p>
@@ -1032,7 +1196,8 @@
           </a:prstGeom>
         </p:spPr>
         <p:txBody>
-          <a:bodyPr lIns="0" rIns="0" tIns="0" bIns="0"/>
+          <a:bodyPr lIns="0" tIns="0" rIns="0" bIns="0"/>
+          <a:lstStyle/>
           <a:p>
             <a:endParaRPr/>
           </a:p>
@@ -1040,11 +1205,14 @@
       </p:sp>
     </p:spTree>
   </p:cSld>
+  <p:clrMapOvr>
+    <a:masterClrMapping/>
+  </p:clrMapOvr>
 </p:sldLayout>
 </file>
 
 <file path=ppt/slideLayouts/slideLayout9.xml><?xml version="1.0" encoding="utf-8"?>
-<p:sldLayout xmlns:a="http://schemas.openxmlformats.org/drawingml/2006/main" xmlns:p="http://schemas.openxmlformats.org/presentationml/2006/main" xmlns:r="http://schemas.openxmlformats.org/officeDocument/2006/relationships" type="twoObjOverTx" preserve="1">
+<p:sldLayout xmlns:a="http://schemas.openxmlformats.org/drawingml/2006/main" xmlns:r="http://schemas.openxmlformats.org/officeDocument/2006/relationships" xmlns:p="http://schemas.openxmlformats.org/presentationml/2006/main" type="twoObjOverTx" preserve="1">
   <p:cSld name="Title, 2 Content over Content">
     <p:spTree>
       <p:nvGrpSpPr>
@@ -1080,7 +1248,8 @@
           </a:prstGeom>
         </p:spPr>
         <p:txBody>
-          <a:bodyPr lIns="0" rIns="0" tIns="0" bIns="0" anchor="ctr"/>
+          <a:bodyPr lIns="0" tIns="0" rIns="0" bIns="0" anchor="ctr"/>
+          <a:lstStyle/>
           <a:p>
             <a:pPr algn="ctr"/>
             <a:endParaRPr/>
@@ -1107,7 +1276,8 @@
           </a:prstGeom>
         </p:spPr>
         <p:txBody>
-          <a:bodyPr lIns="0" rIns="0" tIns="0" bIns="0"/>
+          <a:bodyPr lIns="0" tIns="0" rIns="0" bIns="0"/>
+          <a:lstStyle/>
           <a:p>
             <a:endParaRPr/>
           </a:p>
@@ -1133,7 +1303,8 @@
           </a:prstGeom>
         </p:spPr>
         <p:txBody>
-          <a:bodyPr lIns="0" rIns="0" tIns="0" bIns="0"/>
+          <a:bodyPr lIns="0" tIns="0" rIns="0" bIns="0"/>
+          <a:lstStyle/>
           <a:p>
             <a:endParaRPr/>
           </a:p>
@@ -1159,7 +1330,8 @@
           </a:prstGeom>
         </p:spPr>
         <p:txBody>
-          <a:bodyPr lIns="0" rIns="0" tIns="0" bIns="0"/>
+          <a:bodyPr lIns="0" tIns="0" rIns="0" bIns="0"/>
+          <a:lstStyle/>
           <a:p>
             <a:endParaRPr/>
           </a:p>
@@ -1167,17 +1339,21 @@
       </p:sp>
     </p:spTree>
   </p:cSld>
+  <p:clrMapOvr>
+    <a:masterClrMapping/>
+  </p:clrMapOvr>
 </p:sldLayout>
 </file>
 
 <file path=ppt/slideMasters/slideMaster1.xml><?xml version="1.0" encoding="utf-8"?>
-<p:sldMaster xmlns:a="http://schemas.openxmlformats.org/drawingml/2006/main" xmlns:p="http://schemas.openxmlformats.org/presentationml/2006/main" xmlns:r="http://schemas.openxmlformats.org/officeDocument/2006/relationships">
+<p:sldMaster xmlns:a="http://schemas.openxmlformats.org/drawingml/2006/main" xmlns:r="http://schemas.openxmlformats.org/officeDocument/2006/relationships" xmlns:p="http://schemas.openxmlformats.org/presentationml/2006/main">
   <p:cSld>
     <p:bg>
       <p:bgPr>
         <a:solidFill>
-          <a:srgbClr val="cccccc"/>
+          <a:srgbClr val="CCCCCC"/>
         </a:solidFill>
+        <a:effectLst/>
       </p:bgPr>
     </p:bg>
     <p:spTree>
@@ -1196,7 +1372,7 @@
       </p:grpSpPr>
       <p:sp>
         <p:nvSpPr>
-          <p:cNvPr id="0" name="PlaceHolder 1"/>
+          <p:cNvPr id="5" name="PlaceHolder 1"/>
           <p:cNvSpPr>
             <a:spLocks noGrp="1"/>
           </p:cNvSpPr>
@@ -1214,7 +1390,8 @@
           </a:prstGeom>
         </p:spPr>
         <p:txBody>
-          <a:bodyPr lIns="0" rIns="0" tIns="0" bIns="0" anchor="ctr"/>
+          <a:bodyPr lIns="0" tIns="0" rIns="0" bIns="0" anchor="ctr"/>
+          <a:lstStyle/>
           <a:p>
             <a:pPr algn="ctr"/>
             <a:r>
@@ -1229,7 +1406,7 @@
       </p:sp>
       <p:sp>
         <p:nvSpPr>
-          <p:cNvPr id="1" name="PlaceHolder 2"/>
+          <p:cNvPr id="6" name="PlaceHolder 2"/>
           <p:cNvSpPr>
             <a:spLocks noGrp="1"/>
           </p:cNvSpPr>
@@ -1247,7 +1424,8 @@
           </a:prstGeom>
         </p:spPr>
         <p:txBody>
-          <a:bodyPr lIns="0" rIns="0" tIns="0" bIns="0"/>
+          <a:bodyPr lIns="0" tIns="0" rIns="0" bIns="0"/>
+          <a:lstStyle/>
           <a:p>
             <a:pPr>
               <a:buSzPct val="45000"/>
@@ -1368,7 +1546,8 @@
           </a:prstGeom>
         </p:spPr>
         <p:txBody>
-          <a:bodyPr lIns="0" rIns="0" tIns="0" bIns="0"/>
+          <a:bodyPr lIns="0" tIns="0" rIns="0" bIns="0"/>
+          <a:lstStyle/>
           <a:p>
             <a:r>
               <a:rPr lang="en-US" sz="1400">
@@ -1400,7 +1579,8 @@
           </a:prstGeom>
         </p:spPr>
         <p:txBody>
-          <a:bodyPr lIns="0" rIns="0" tIns="0" bIns="0"/>
+          <a:bodyPr lIns="0" tIns="0" rIns="0" bIns="0"/>
+          <a:lstStyle/>
           <a:p>
             <a:pPr algn="ctr"/>
             <a:r>
@@ -1433,14 +1613,15 @@
           </a:prstGeom>
         </p:spPr>
         <p:txBody>
-          <a:bodyPr lIns="0" rIns="0" tIns="0" bIns="0"/>
+          <a:bodyPr lIns="0" tIns="0" rIns="0" bIns="0"/>
+          <a:lstStyle/>
           <a:p>
             <a:pPr algn="r"/>
             <a:fld id="{79B8A454-A133-4C61-B1AD-A8103C0B1721}" type="slidenum">
               <a:rPr lang="en-US" sz="1400">
                 <a:latin typeface="Times New Roman"/>
               </a:rPr>
-              <a:t>&lt;number&gt;</a:t>
+              <a:t>‹#›</a:t>
             </a:fld>
             <a:endParaRPr/>
           </a:p>
@@ -1448,26 +1629,306 @@
       </p:sp>
     </p:spTree>
   </p:cSld>
-  <p:clrMap bg1="lt1" bg2="lt2" tx1="dk1" tx2="dk2" accent1="accent1" accent2="accent2" accent3="accent3" accent4="accent4" accent5="accent5" accent6="accent6" hlink="hlink" folHlink="folHlink"/>
+  <p:clrMap bg1="lt1" tx1="dk1" bg2="lt2" tx2="dk2" accent1="accent1" accent2="accent2" accent3="accent3" accent4="accent4" accent5="accent5" accent6="accent6" hlink="hlink" folHlink="folHlink"/>
   <p:sldLayoutIdLst>
-    <p:sldLayoutId id="2147483649" r:id="rId2"/>
-    <p:sldLayoutId id="2147483650" r:id="rId3"/>
-    <p:sldLayoutId id="2147483651" r:id="rId4"/>
-    <p:sldLayoutId id="2147483652" r:id="rId5"/>
-    <p:sldLayoutId id="2147483653" r:id="rId6"/>
-    <p:sldLayoutId id="2147483654" r:id="rId7"/>
-    <p:sldLayoutId id="2147483655" r:id="rId8"/>
-    <p:sldLayoutId id="2147483656" r:id="rId9"/>
-    <p:sldLayoutId id="2147483657" r:id="rId10"/>
-    <p:sldLayoutId id="2147483658" r:id="rId11"/>
-    <p:sldLayoutId id="2147483659" r:id="rId12"/>
-    <p:sldLayoutId id="2147483660" r:id="rId13"/>
+    <p:sldLayoutId id="2147483649" r:id="rId1"/>
+    <p:sldLayoutId id="2147483650" r:id="rId2"/>
+    <p:sldLayoutId id="2147483651" r:id="rId3"/>
+    <p:sldLayoutId id="2147483652" r:id="rId4"/>
+    <p:sldLayoutId id="2147483653" r:id="rId5"/>
+    <p:sldLayoutId id="2147483654" r:id="rId6"/>
+    <p:sldLayoutId id="2147483655" r:id="rId7"/>
+    <p:sldLayoutId id="2147483656" r:id="rId8"/>
+    <p:sldLayoutId id="2147483657" r:id="rId9"/>
+    <p:sldLayoutId id="2147483658" r:id="rId10"/>
+    <p:sldLayoutId id="2147483659" r:id="rId11"/>
+    <p:sldLayoutId id="2147483660" r:id="rId12"/>
   </p:sldLayoutIdLst>
+  <p:txStyles>
+    <p:titleStyle>
+      <a:lvl1pPr algn="l" defTabSz="914400" rtl="0" eaLnBrk="1" latinLnBrk="0" hangingPunct="1">
+        <a:lnSpc>
+          <a:spcPct val="90000"/>
+        </a:lnSpc>
+        <a:spcBef>
+          <a:spcPct val="0"/>
+        </a:spcBef>
+        <a:buNone/>
+        <a:defRPr sz="4400" kern="1200">
+          <a:solidFill>
+            <a:schemeClr val="tx1"/>
+          </a:solidFill>
+          <a:latin typeface="+mj-lt"/>
+          <a:ea typeface="+mj-ea"/>
+          <a:cs typeface="+mj-cs"/>
+        </a:defRPr>
+      </a:lvl1pPr>
+    </p:titleStyle>
+    <p:bodyStyle>
+      <a:lvl1pPr marL="228600" indent="-228600" algn="l" defTabSz="914400" rtl="0" eaLnBrk="1" latinLnBrk="0" hangingPunct="1">
+        <a:lnSpc>
+          <a:spcPct val="90000"/>
+        </a:lnSpc>
+        <a:spcBef>
+          <a:spcPts val="1000"/>
+        </a:spcBef>
+        <a:buFont typeface="Arial" panose="020B0604020202020204" pitchFamily="34" charset="0"/>
+        <a:buChar char="•"/>
+        <a:defRPr sz="2800" kern="1200">
+          <a:solidFill>
+            <a:schemeClr val="tx1"/>
+          </a:solidFill>
+          <a:latin typeface="+mn-lt"/>
+          <a:ea typeface="+mn-ea"/>
+          <a:cs typeface="+mn-cs"/>
+        </a:defRPr>
+      </a:lvl1pPr>
+      <a:lvl2pPr marL="685800" indent="-228600" algn="l" defTabSz="914400" rtl="0" eaLnBrk="1" latinLnBrk="0" hangingPunct="1">
+        <a:lnSpc>
+          <a:spcPct val="90000"/>
+        </a:lnSpc>
+        <a:spcBef>
+          <a:spcPts val="500"/>
+        </a:spcBef>
+        <a:buFont typeface="Arial" panose="020B0604020202020204" pitchFamily="34" charset="0"/>
+        <a:buChar char="•"/>
+        <a:defRPr sz="2400" kern="1200">
+          <a:solidFill>
+            <a:schemeClr val="tx1"/>
+          </a:solidFill>
+          <a:latin typeface="+mn-lt"/>
+          <a:ea typeface="+mn-ea"/>
+          <a:cs typeface="+mn-cs"/>
+        </a:defRPr>
+      </a:lvl2pPr>
+      <a:lvl3pPr marL="1143000" indent="-228600" algn="l" defTabSz="914400" rtl="0" eaLnBrk="1" latinLnBrk="0" hangingPunct="1">
+        <a:lnSpc>
+          <a:spcPct val="90000"/>
+        </a:lnSpc>
+        <a:spcBef>
+          <a:spcPts val="500"/>
+        </a:spcBef>
+        <a:buFont typeface="Arial" panose="020B0604020202020204" pitchFamily="34" charset="0"/>
+        <a:buChar char="•"/>
+        <a:defRPr sz="2000" kern="1200">
+          <a:solidFill>
+            <a:schemeClr val="tx1"/>
+          </a:solidFill>
+          <a:latin typeface="+mn-lt"/>
+          <a:ea typeface="+mn-ea"/>
+          <a:cs typeface="+mn-cs"/>
+        </a:defRPr>
+      </a:lvl3pPr>
+      <a:lvl4pPr marL="1600200" indent="-228600" algn="l" defTabSz="914400" rtl="0" eaLnBrk="1" latinLnBrk="0" hangingPunct="1">
+        <a:lnSpc>
+          <a:spcPct val="90000"/>
+        </a:lnSpc>
+        <a:spcBef>
+          <a:spcPts val="500"/>
+        </a:spcBef>
+        <a:buFont typeface="Arial" panose="020B0604020202020204" pitchFamily="34" charset="0"/>
+        <a:buChar char="•"/>
+        <a:defRPr sz="1800" kern="1200">
+          <a:solidFill>
+            <a:schemeClr val="tx1"/>
+          </a:solidFill>
+          <a:latin typeface="+mn-lt"/>
+          <a:ea typeface="+mn-ea"/>
+          <a:cs typeface="+mn-cs"/>
+        </a:defRPr>
+      </a:lvl4pPr>
+      <a:lvl5pPr marL="2057400" indent="-228600" algn="l" defTabSz="914400" rtl="0" eaLnBrk="1" latinLnBrk="0" hangingPunct="1">
+        <a:lnSpc>
+          <a:spcPct val="90000"/>
+        </a:lnSpc>
+        <a:spcBef>
+          <a:spcPts val="500"/>
+        </a:spcBef>
+        <a:buFont typeface="Arial" panose="020B0604020202020204" pitchFamily="34" charset="0"/>
+        <a:buChar char="•"/>
+        <a:defRPr sz="1800" kern="1200">
+          <a:solidFill>
+            <a:schemeClr val="tx1"/>
+          </a:solidFill>
+          <a:latin typeface="+mn-lt"/>
+          <a:ea typeface="+mn-ea"/>
+          <a:cs typeface="+mn-cs"/>
+        </a:defRPr>
+      </a:lvl5pPr>
+      <a:lvl6pPr marL="2514600" indent="-228600" algn="l" defTabSz="914400" rtl="0" eaLnBrk="1" latinLnBrk="0" hangingPunct="1">
+        <a:lnSpc>
+          <a:spcPct val="90000"/>
+        </a:lnSpc>
+        <a:spcBef>
+          <a:spcPts val="500"/>
+        </a:spcBef>
+        <a:buFont typeface="Arial" panose="020B0604020202020204" pitchFamily="34" charset="0"/>
+        <a:buChar char="•"/>
+        <a:defRPr sz="1800" kern="1200">
+          <a:solidFill>
+            <a:schemeClr val="tx1"/>
+          </a:solidFill>
+          <a:latin typeface="+mn-lt"/>
+          <a:ea typeface="+mn-ea"/>
+          <a:cs typeface="+mn-cs"/>
+        </a:defRPr>
+      </a:lvl6pPr>
+      <a:lvl7pPr marL="2971800" indent="-228600" algn="l" defTabSz="914400" rtl="0" eaLnBrk="1" latinLnBrk="0" hangingPunct="1">
+        <a:lnSpc>
+          <a:spcPct val="90000"/>
+        </a:lnSpc>
+        <a:spcBef>
+          <a:spcPts val="500"/>
+        </a:spcBef>
+        <a:buFont typeface="Arial" panose="020B0604020202020204" pitchFamily="34" charset="0"/>
+        <a:buChar char="•"/>
+        <a:defRPr sz="1800" kern="1200">
+          <a:solidFill>
+            <a:schemeClr val="tx1"/>
+          </a:solidFill>
+          <a:latin typeface="+mn-lt"/>
+          <a:ea typeface="+mn-ea"/>
+          <a:cs typeface="+mn-cs"/>
+        </a:defRPr>
+      </a:lvl7pPr>
+      <a:lvl8pPr marL="3429000" indent="-228600" algn="l" defTabSz="914400" rtl="0" eaLnBrk="1" latinLnBrk="0" hangingPunct="1">
+        <a:lnSpc>
+          <a:spcPct val="90000"/>
+        </a:lnSpc>
+        <a:spcBef>
+          <a:spcPts val="500"/>
+        </a:spcBef>
+        <a:buFont typeface="Arial" panose="020B0604020202020204" pitchFamily="34" charset="0"/>
+        <a:buChar char="•"/>
+        <a:defRPr sz="1800" kern="1200">
+          <a:solidFill>
+            <a:schemeClr val="tx1"/>
+          </a:solidFill>
+          <a:latin typeface="+mn-lt"/>
+          <a:ea typeface="+mn-ea"/>
+          <a:cs typeface="+mn-cs"/>
+        </a:defRPr>
+      </a:lvl8pPr>
+      <a:lvl9pPr marL="3886200" indent="-228600" algn="l" defTabSz="914400" rtl="0" eaLnBrk="1" latinLnBrk="0" hangingPunct="1">
+        <a:lnSpc>
+          <a:spcPct val="90000"/>
+        </a:lnSpc>
+        <a:spcBef>
+          <a:spcPts val="500"/>
+        </a:spcBef>
+        <a:buFont typeface="Arial" panose="020B0604020202020204" pitchFamily="34" charset="0"/>
+        <a:buChar char="•"/>
+        <a:defRPr sz="1800" kern="1200">
+          <a:solidFill>
+            <a:schemeClr val="tx1"/>
+          </a:solidFill>
+          <a:latin typeface="+mn-lt"/>
+          <a:ea typeface="+mn-ea"/>
+          <a:cs typeface="+mn-cs"/>
+        </a:defRPr>
+      </a:lvl9pPr>
+    </p:bodyStyle>
+    <p:otherStyle>
+      <a:defPPr>
+        <a:defRPr lang="sk-SK"/>
+      </a:defPPr>
+      <a:lvl1pPr marL="0" algn="l" defTabSz="914400" rtl="0" eaLnBrk="1" latinLnBrk="0" hangingPunct="1">
+        <a:defRPr sz="1800" kern="1200">
+          <a:solidFill>
+            <a:schemeClr val="tx1"/>
+          </a:solidFill>
+          <a:latin typeface="+mn-lt"/>
+          <a:ea typeface="+mn-ea"/>
+          <a:cs typeface="+mn-cs"/>
+        </a:defRPr>
+      </a:lvl1pPr>
+      <a:lvl2pPr marL="457200" algn="l" defTabSz="914400" rtl="0" eaLnBrk="1" latinLnBrk="0" hangingPunct="1">
+        <a:defRPr sz="1800" kern="1200">
+          <a:solidFill>
+            <a:schemeClr val="tx1"/>
+          </a:solidFill>
+          <a:latin typeface="+mn-lt"/>
+          <a:ea typeface="+mn-ea"/>
+          <a:cs typeface="+mn-cs"/>
+        </a:defRPr>
+      </a:lvl2pPr>
+      <a:lvl3pPr marL="914400" algn="l" defTabSz="914400" rtl="0" eaLnBrk="1" latinLnBrk="0" hangingPunct="1">
+        <a:defRPr sz="1800" kern="1200">
+          <a:solidFill>
+            <a:schemeClr val="tx1"/>
+          </a:solidFill>
+          <a:latin typeface="+mn-lt"/>
+          <a:ea typeface="+mn-ea"/>
+          <a:cs typeface="+mn-cs"/>
+        </a:defRPr>
+      </a:lvl3pPr>
+      <a:lvl4pPr marL="1371600" algn="l" defTabSz="914400" rtl="0" eaLnBrk="1" latinLnBrk="0" hangingPunct="1">
+        <a:defRPr sz="1800" kern="1200">
+          <a:solidFill>
+            <a:schemeClr val="tx1"/>
+          </a:solidFill>
+          <a:latin typeface="+mn-lt"/>
+          <a:ea typeface="+mn-ea"/>
+          <a:cs typeface="+mn-cs"/>
+        </a:defRPr>
+      </a:lvl4pPr>
+      <a:lvl5pPr marL="1828800" algn="l" defTabSz="914400" rtl="0" eaLnBrk="1" latinLnBrk="0" hangingPunct="1">
+        <a:defRPr sz="1800" kern="1200">
+          <a:solidFill>
+            <a:schemeClr val="tx1"/>
+          </a:solidFill>
+          <a:latin typeface="+mn-lt"/>
+          <a:ea typeface="+mn-ea"/>
+          <a:cs typeface="+mn-cs"/>
+        </a:defRPr>
+      </a:lvl5pPr>
+      <a:lvl6pPr marL="2286000" algn="l" defTabSz="914400" rtl="0" eaLnBrk="1" latinLnBrk="0" hangingPunct="1">
+        <a:defRPr sz="1800" kern="1200">
+          <a:solidFill>
+            <a:schemeClr val="tx1"/>
+          </a:solidFill>
+          <a:latin typeface="+mn-lt"/>
+          <a:ea typeface="+mn-ea"/>
+          <a:cs typeface="+mn-cs"/>
+        </a:defRPr>
+      </a:lvl6pPr>
+      <a:lvl7pPr marL="2743200" algn="l" defTabSz="914400" rtl="0" eaLnBrk="1" latinLnBrk="0" hangingPunct="1">
+        <a:defRPr sz="1800" kern="1200">
+          <a:solidFill>
+            <a:schemeClr val="tx1"/>
+          </a:solidFill>
+          <a:latin typeface="+mn-lt"/>
+          <a:ea typeface="+mn-ea"/>
+          <a:cs typeface="+mn-cs"/>
+        </a:defRPr>
+      </a:lvl7pPr>
+      <a:lvl8pPr marL="3200400" algn="l" defTabSz="914400" rtl="0" eaLnBrk="1" latinLnBrk="0" hangingPunct="1">
+        <a:defRPr sz="1800" kern="1200">
+          <a:solidFill>
+            <a:schemeClr val="tx1"/>
+          </a:solidFill>
+          <a:latin typeface="+mn-lt"/>
+          <a:ea typeface="+mn-ea"/>
+          <a:cs typeface="+mn-cs"/>
+        </a:defRPr>
+      </a:lvl8pPr>
+      <a:lvl9pPr marL="3657600" algn="l" defTabSz="914400" rtl="0" eaLnBrk="1" latinLnBrk="0" hangingPunct="1">
+        <a:defRPr sz="1800" kern="1200">
+          <a:solidFill>
+            <a:schemeClr val="tx1"/>
+          </a:solidFill>
+          <a:latin typeface="+mn-lt"/>
+          <a:ea typeface="+mn-ea"/>
+          <a:cs typeface="+mn-cs"/>
+        </a:defRPr>
+      </a:lvl9pPr>
+    </p:otherStyle>
+  </p:txStyles>
 </p:sldMaster>
 </file>
 
 <file path=ppt/slides/slide1.xml><?xml version="1.0" encoding="utf-8"?>
-<p:sld xmlns:a="http://schemas.openxmlformats.org/drawingml/2006/main" xmlns:p="http://schemas.openxmlformats.org/presentationml/2006/main" xmlns:r="http://schemas.openxmlformats.org/officeDocument/2006/relationships">
+<p:sld xmlns:a="http://schemas.openxmlformats.org/drawingml/2006/main" xmlns:r="http://schemas.openxmlformats.org/officeDocument/2006/relationships" xmlns:p="http://schemas.openxmlformats.org/presentationml/2006/main">
   <p:cSld>
     <p:spTree>
       <p:nvGrpSpPr>
@@ -1503,7 +1964,8 @@
           </a:ln>
         </p:spPr>
         <p:txBody>
-          <a:bodyPr lIns="0" rIns="0" tIns="0" bIns="0" anchor="ctr"/>
+          <a:bodyPr lIns="0" tIns="0" rIns="0" bIns="0" anchor="ctr"/>
+          <a:lstStyle/>
           <a:p>
             <a:pPr algn="ctr"/>
             <a:r>
@@ -1536,7 +1998,8 @@
           </a:ln>
         </p:spPr>
         <p:txBody>
-          <a:bodyPr lIns="0" rIns="0" tIns="0" bIns="0" anchor="ctr"/>
+          <a:bodyPr lIns="0" tIns="0" rIns="0" bIns="0" anchor="ctr"/>
+          <a:lstStyle/>
           <a:p>
             <a:pPr algn="ctr"/>
             <a:r>
@@ -1569,7 +2032,8 @@
           </a:ln>
         </p:spPr>
         <p:txBody>
-          <a:bodyPr lIns="90000" rIns="90000" tIns="45000" bIns="45000"/>
+          <a:bodyPr lIns="90000" tIns="45000" rIns="90000" bIns="45000"/>
+          <a:lstStyle/>
           <a:p>
             <a:r>
               <a:rPr lang="en-US">
@@ -1601,19 +2065,14 @@
           </a:ln>
         </p:spPr>
         <p:txBody>
-          <a:bodyPr lIns="90000" rIns="90000" tIns="45000" bIns="45000"/>
+          <a:bodyPr lIns="90000" tIns="45000" rIns="90000" bIns="45000"/>
+          <a:lstStyle/>
           <a:p>
             <a:r>
               <a:rPr lang="en-US" sz="2600">
                 <a:latin typeface="Arial"/>
               </a:rPr>
-              <a:t> </a:t>
-            </a:r>
-            <a:r>
-              <a:rPr lang="en-US" sz="2600">
-                <a:latin typeface="Arial"/>
-              </a:rPr>
-              <a:t>Martin Číž, Peter Uherek</a:t>
+              <a:t> Martin Číž, Peter Uherek</a:t>
             </a:r>
             <a:endParaRPr/>
           </a:p>
@@ -1639,19 +2098,14 @@
           </a:ln>
         </p:spPr>
         <p:txBody>
-          <a:bodyPr lIns="90000" rIns="90000" tIns="45000" bIns="45000"/>
+          <a:bodyPr lIns="90000" tIns="45000" rIns="90000" bIns="45000"/>
+          <a:lstStyle/>
           <a:p>
             <a:r>
               <a:rPr lang="en-US" sz="2600">
                 <a:latin typeface="Arial"/>
               </a:rPr>
-              <a:t> </a:t>
-            </a:r>
-            <a:r>
-              <a:rPr lang="en-US" sz="2600">
-                <a:latin typeface="Arial"/>
-              </a:rPr>
-              <a:t>FIIT STU, LS 2015</a:t>
+              <a:t> FIIT STU, LS 2015</a:t>
             </a:r>
             <a:endParaRPr/>
           </a:p>
@@ -1659,6 +2113,9 @@
       </p:sp>
     </p:spTree>
   </p:cSld>
+  <p:clrMapOvr>
+    <a:masterClrMapping/>
+  </p:clrMapOvr>
   <p:timing>
     <p:tnLst>
       <p:par>
@@ -1667,14 +2124,14 @@
             <p:seq>
               <p:cTn id="2" nodeType="mainSeq"/>
               <p:prevCondLst>
-                <p:cond delay="0" evt="onPrev">
+                <p:cond evt="onPrev" delay="0">
                   <p:tgtEl>
                     <p:sldTgt/>
                   </p:tgtEl>
                 </p:cond>
               </p:prevCondLst>
               <p:nextCondLst>
-                <p:cond delay="0" evt="onNext">
+                <p:cond evt="onNext" delay="0">
                   <p:tgtEl>
                     <p:sldTgt/>
                   </p:tgtEl>
@@ -1689,8 +2146,8 @@
 </p:sld>
 </file>
 
-<file path=ppt/slides/slide2.xml><?xml version="1.0" encoding="utf-8"?>
-<p:sld xmlns:a="http://schemas.openxmlformats.org/drawingml/2006/main" xmlns:p="http://schemas.openxmlformats.org/presentationml/2006/main" xmlns:r="http://schemas.openxmlformats.org/officeDocument/2006/relationships">
+<file path=ppt/slides/slide10.xml><?xml version="1.0" encoding="utf-8"?>
+<p:sld xmlns:a="http://schemas.openxmlformats.org/drawingml/2006/main" xmlns:r="http://schemas.openxmlformats.org/officeDocument/2006/relationships" xmlns:p="http://schemas.openxmlformats.org/presentationml/2006/main">
   <p:cSld>
     <p:spTree>
       <p:nvGrpSpPr>
@@ -1708,13 +2165,211 @@
       </p:grpSpPr>
       <p:sp>
         <p:nvSpPr>
-          <p:cNvPr id="44" name="TextShape 1"/>
+          <p:cNvPr id="2" name="Nadpis 1"/>
+          <p:cNvSpPr>
+            <a:spLocks noGrp="1"/>
+          </p:cNvSpPr>
+          <p:nvPr>
+            <p:ph type="title"/>
+          </p:nvPr>
+        </p:nvSpPr>
+        <p:spPr/>
+        <p:txBody>
+          <a:bodyPr/>
+          <a:lstStyle/>
+          <a:p>
+            <a:r>
+              <a:rPr lang="sk-SK" dirty="0" smtClean="0"/>
+              <a:t>Riešenie</a:t>
+            </a:r>
+            <a:endParaRPr lang="sk-SK" dirty="0"/>
+          </a:p>
+        </p:txBody>
+      </p:sp>
+      <p:sp>
+        <p:nvSpPr>
+          <p:cNvPr id="3" name="Zástupný symbol textu 2"/>
+          <p:cNvSpPr>
+            <a:spLocks noGrp="1"/>
+          </p:cNvSpPr>
+          <p:nvPr>
+            <p:ph type="body"/>
+          </p:nvPr>
+        </p:nvSpPr>
+        <p:spPr>
+          <a:xfrm>
+            <a:off x="203316" y="1563840"/>
+            <a:ext cx="9369084" cy="5602071"/>
+          </a:xfrm>
+        </p:spPr>
+        <p:txBody>
+          <a:bodyPr/>
+          <a:lstStyle/>
+          <a:p>
+            <a:r>
+              <a:rPr lang="sk-SK" dirty="0" smtClean="0"/>
+              <a:t>Odstránili sme články s </a:t>
+            </a:r>
+            <a:r>
+              <a:rPr lang="sk-SK" dirty="0" err="1" smtClean="0"/>
+              <a:t>čítanosťou</a:t>
+            </a:r>
+            <a:r>
+              <a:rPr lang="sk-SK" dirty="0" smtClean="0"/>
+              <a:t> nad 10 000            </a:t>
+            </a:r>
+          </a:p>
+          <a:p>
+            <a:pPr lvl="1"/>
+            <a:r>
+              <a:rPr lang="sk-SK" dirty="0" smtClean="0"/>
+              <a:t>141 článkov</a:t>
+            </a:r>
+          </a:p>
+          <a:p>
+            <a:r>
+              <a:rPr lang="sk-SK" dirty="0" smtClean="0"/>
+              <a:t>Zlepšenie výsledkov </a:t>
+            </a:r>
+          </a:p>
+          <a:p>
+            <a:pPr lvl="1"/>
+            <a:r>
+              <a:rPr lang="sk-SK" dirty="0" smtClean="0"/>
+              <a:t>CV predtým =  8,73</a:t>
+            </a:r>
+          </a:p>
+          <a:p>
+            <a:pPr lvl="1"/>
+            <a:r>
+              <a:rPr lang="sk-SK" dirty="0" smtClean="0"/>
+              <a:t>CV potom = 7,7</a:t>
+            </a:r>
+            <a:endParaRPr lang="sk-SK" dirty="0"/>
+          </a:p>
+          <a:p>
+            <a:r>
+              <a:rPr lang="sk-SK" dirty="0" smtClean="0"/>
+              <a:t>Pridanie nových atribútov do vektoru </a:t>
+            </a:r>
+          </a:p>
+          <a:p>
+            <a:pPr lvl="1"/>
+            <a:r>
+              <a:rPr lang="sk-SK" dirty="0" smtClean="0"/>
+              <a:t>Počet slov (CV </a:t>
+            </a:r>
+            <a:r>
+              <a:rPr lang="sk-SK" dirty="0"/>
+              <a:t>= </a:t>
+            </a:r>
+            <a:r>
+              <a:rPr lang="sk-SK" dirty="0" smtClean="0"/>
+              <a:t>7.41) </a:t>
+            </a:r>
+          </a:p>
+          <a:p>
+            <a:pPr lvl="1"/>
+            <a:r>
+              <a:rPr lang="sk-SK" dirty="0" smtClean="0"/>
+              <a:t>Kategória (CV = 7,1)</a:t>
+            </a:r>
+          </a:p>
+          <a:p>
+            <a:pPr lvl="1"/>
+            <a:r>
+              <a:rPr lang="sk-SK" dirty="0" smtClean="0"/>
+              <a:t>Sekcia, SME kategória (</a:t>
+            </a:r>
+            <a:r>
+              <a:rPr lang="sk-SK" dirty="0" smtClean="0">
+                <a:solidFill>
+                  <a:schemeClr val="accent3">
+                    <a:lumMod val="50000"/>
+                  </a:schemeClr>
+                </a:solidFill>
+              </a:rPr>
+              <a:t>CV = 6,98</a:t>
+            </a:r>
+            <a:r>
+              <a:rPr lang="sk-SK" dirty="0" smtClean="0"/>
+              <a:t>)</a:t>
+            </a:r>
+          </a:p>
+          <a:p>
+            <a:pPr lvl="1"/>
+            <a:r>
+              <a:rPr lang="sk-SK" dirty="0" smtClean="0"/>
+              <a:t>Pridanie času (CV = 7,12)</a:t>
+            </a:r>
+          </a:p>
+          <a:p>
+            <a:r>
+              <a:rPr lang="sk-SK" dirty="0" smtClean="0"/>
+              <a:t>Najlepší výsledok</a:t>
+            </a:r>
+          </a:p>
+          <a:p>
+            <a:pPr lvl="1"/>
+            <a:r>
+              <a:rPr lang="sk-SK" dirty="0" smtClean="0"/>
+              <a:t>Priemerná chyba = 421</a:t>
+            </a:r>
+          </a:p>
+          <a:p>
+            <a:pPr lvl="1"/>
+            <a:r>
+              <a:rPr lang="sk-SK" dirty="0" smtClean="0"/>
+              <a:t>Medián chyby = 68,7</a:t>
+            </a:r>
+          </a:p>
+          <a:p>
+            <a:pPr marL="457200" lvl="1" indent="0">
+              <a:buNone/>
+            </a:pPr>
+            <a:endParaRPr lang="sk-SK" dirty="0" smtClean="0"/>
+          </a:p>
+        </p:txBody>
+      </p:sp>
+    </p:spTree>
+    <p:extLst>
+      <p:ext uri="{BB962C8B-B14F-4D97-AF65-F5344CB8AC3E}">
+        <p14:creationId xmlns:p14="http://schemas.microsoft.com/office/powerpoint/2010/main" val="864516331"/>
+      </p:ext>
+    </p:extLst>
+  </p:cSld>
+  <p:clrMapOvr>
+    <a:masterClrMapping/>
+  </p:clrMapOvr>
+</p:sld>
+</file>
+
+<file path=ppt/slides/slide11.xml><?xml version="1.0" encoding="utf-8"?>
+<p:sld xmlns:a="http://schemas.openxmlformats.org/drawingml/2006/main" xmlns:r="http://schemas.openxmlformats.org/officeDocument/2006/relationships" xmlns:p="http://schemas.openxmlformats.org/presentationml/2006/main">
+  <p:cSld>
+    <p:spTree>
+      <p:nvGrpSpPr>
+        <p:cNvPr id="1" name=""/>
+        <p:cNvGrpSpPr/>
+        <p:nvPr/>
+      </p:nvGrpSpPr>
+      <p:grpSpPr>
+        <a:xfrm>
+          <a:off x="0" y="0"/>
+          <a:ext cx="0" cy="0"/>
+          <a:chOff x="0" y="0"/>
+          <a:chExt cx="0" cy="0"/>
+        </a:xfrm>
+      </p:grpSpPr>
+      <p:sp>
+        <p:nvSpPr>
+          <p:cNvPr id="50" name="TextShape 1"/>
           <p:cNvSpPr txBox="1"/>
           <p:nvPr/>
         </p:nvSpPr>
         <p:spPr>
           <a:xfrm>
-            <a:off x="503640" y="301320"/>
+            <a:off x="236355" y="506880"/>
             <a:ext cx="9068760" cy="1262520"/>
           </a:xfrm>
           <a:prstGeom prst="rect">
@@ -1726,22 +2381,20 @@
           </a:ln>
         </p:spPr>
         <p:txBody>
-          <a:bodyPr lIns="0" rIns="0" tIns="0" bIns="0" anchor="ctr"/>
-          <a:p>
-            <a:pPr algn="ctr"/>
-            <a:r>
-              <a:rPr lang="en-US" sz="4400">
-                <a:latin typeface="Arial"/>
-              </a:rPr>
-              <a:t>Dataset</a:t>
-            </a:r>
-            <a:endParaRPr/>
-          </a:p>
-        </p:txBody>
-      </p:sp>
-      <p:sp>
-        <p:nvSpPr>
-          <p:cNvPr id="45" name="TextShape 2"/>
+          <a:bodyPr lIns="0" tIns="0" rIns="0" bIns="0" anchor="ctr"/>
+          <a:lstStyle/>
+          <a:p>
+            <a:r>
+              <a:rPr lang="sk-SK" sz="3600" dirty="0" smtClean="0"/>
+              <a:t>Najlepší výsledok</a:t>
+            </a:r>
+            <a:endParaRPr sz="3600" dirty="0"/>
+          </a:p>
+        </p:txBody>
+      </p:sp>
+      <p:sp>
+        <p:nvSpPr>
+          <p:cNvPr id="51" name="TextShape 2"/>
           <p:cNvSpPr txBox="1"/>
           <p:nvPr/>
         </p:nvSpPr>
@@ -1759,111 +2412,540 @@
           </a:ln>
         </p:spPr>
         <p:txBody>
-          <a:bodyPr lIns="0" rIns="0" tIns="0" bIns="0"/>
-          <a:p>
-            <a:pPr>
-              <a:buSzPct val="45000"/>
-              <a:buFont typeface="StarSymbol"/>
-              <a:buChar char=""/>
-            </a:pPr>
-            <a:r>
-              <a:rPr lang="en-US" sz="3200">
-                <a:latin typeface="Arial"/>
-              </a:rPr>
-              <a:t>15 dní návštev článkov na sme.sk</a:t>
-            </a:r>
-            <a:endParaRPr/>
-          </a:p>
-          <a:p>
-            <a:pPr>
-              <a:buSzPct val="45000"/>
-              <a:buFont typeface="StarSymbol"/>
-              <a:buChar char=""/>
-            </a:pPr>
-            <a:r>
-              <a:rPr lang="en-US" sz="3200">
-                <a:latin typeface="Arial"/>
-              </a:rPr>
-              <a:t>Články:</a:t>
-            </a:r>
-            <a:endParaRPr/>
-          </a:p>
-          <a:p>
-            <a:pPr lvl="1">
-              <a:buSzPct val="75000"/>
-              <a:buFont typeface="StarSymbol"/>
-              <a:buChar char=""/>
-            </a:pPr>
-            <a:r>
-              <a:rPr lang="en-US" sz="2800">
-                <a:latin typeface="Arial"/>
-              </a:rPr>
-              <a:t>Lematizovaný nadpis</a:t>
-            </a:r>
-            <a:endParaRPr/>
-          </a:p>
-          <a:p>
-            <a:pPr lvl="1">
-              <a:buSzPct val="75000"/>
-              <a:buFont typeface="StarSymbol"/>
-              <a:buChar char=""/>
-            </a:pPr>
-            <a:r>
-              <a:rPr lang="en-US" sz="2800">
-                <a:latin typeface="Arial"/>
-              </a:rPr>
-              <a:t>Lematizovaný obsah</a:t>
-            </a:r>
-            <a:endParaRPr/>
-          </a:p>
-          <a:p>
-            <a:pPr lvl="1">
-              <a:buSzPct val="75000"/>
-              <a:buFont typeface="StarSymbol"/>
-              <a:buChar char=""/>
-            </a:pPr>
-            <a:r>
-              <a:rPr lang="en-US" sz="2800">
-                <a:latin typeface="Arial"/>
-              </a:rPr>
-              <a:t>Počet nie unikátnych návštev</a:t>
-            </a:r>
-            <a:endParaRPr/>
-          </a:p>
-          <a:p>
-            <a:pPr lvl="1">
-              <a:buSzPct val="75000"/>
-              <a:buFont typeface="StarSymbol"/>
-              <a:buChar char=""/>
-            </a:pPr>
-            <a:r>
-              <a:rPr lang="en-US" sz="2800">
-                <a:latin typeface="Arial"/>
-              </a:rPr>
-              <a:t>Dátum publikovania</a:t>
-            </a:r>
-            <a:endParaRPr/>
-          </a:p>
-        </p:txBody>
-      </p:sp>
+          <a:bodyPr lIns="0" tIns="0" rIns="0" bIns="0"/>
+          <a:lstStyle/>
+          <a:p>
+            <a:endParaRPr/>
+          </a:p>
+        </p:txBody>
+      </p:sp>
+      <p:pic>
+        <p:nvPicPr>
+          <p:cNvPr id="2" name="Obrázok 1"/>
+          <p:cNvPicPr>
+            <a:picLocks noChangeAspect="1"/>
+          </p:cNvPicPr>
+          <p:nvPr/>
+        </p:nvPicPr>
+        <p:blipFill>
+          <a:blip r:embed="rId2">
+            <a:extLst>
+              <a:ext uri="{28A0092B-C50C-407E-A947-70E740481C1C}">
+                <a14:useLocalDpi xmlns:a14="http://schemas.microsoft.com/office/drawing/2010/main" val="0"/>
+              </a:ext>
+            </a:extLst>
+          </a:blip>
+          <a:stretch>
+            <a:fillRect/>
+          </a:stretch>
+        </p:blipFill>
+        <p:spPr>
+          <a:xfrm>
+            <a:off x="19050" y="1572452"/>
+            <a:ext cx="10058400" cy="5198558"/>
+          </a:xfrm>
+          <a:prstGeom prst="rect">
+            <a:avLst/>
+          </a:prstGeom>
+        </p:spPr>
+      </p:pic>
     </p:spTree>
   </p:cSld>
+  <p:clrMapOvr>
+    <a:masterClrMapping/>
+  </p:clrMapOvr>
   <p:timing>
     <p:tnLst>
       <p:par>
-        <p:cTn id="3" dur="indefinite" restart="never" nodeType="tmRoot">
+        <p:cTn id="1" dur="indefinite" restart="never" nodeType="tmRoot">
           <p:childTnLst>
             <p:seq>
-              <p:cTn id="4" nodeType="mainSeq"/>
+              <p:cTn id="2" nodeType="mainSeq"/>
               <p:prevCondLst>
-                <p:cond delay="0" evt="onPrev">
+                <p:cond evt="onPrev" delay="0">
                   <p:tgtEl>
                     <p:sldTgt/>
                   </p:tgtEl>
                 </p:cond>
               </p:prevCondLst>
               <p:nextCondLst>
-                <p:cond delay="0" evt="onNext">
+                <p:cond evt="onNext" delay="0">
+                  <p:tgtEl>
+                    <p:sldTgt/>
+                  </p:tgtEl>
+                </p:cond>
+              </p:nextCondLst>
+            </p:seq>
+          </p:childTnLst>
+        </p:cTn>
+      </p:par>
+    </p:tnLst>
+  </p:timing>
+</p:sld>
+</file>
+
+<file path=ppt/slides/slide12.xml><?xml version="1.0" encoding="utf-8"?>
+<p:sld xmlns:a="http://schemas.openxmlformats.org/drawingml/2006/main" xmlns:r="http://schemas.openxmlformats.org/officeDocument/2006/relationships" xmlns:p="http://schemas.openxmlformats.org/presentationml/2006/main">
+  <p:cSld>
+    <p:spTree>
+      <p:nvGrpSpPr>
+        <p:cNvPr id="1" name=""/>
+        <p:cNvGrpSpPr/>
+        <p:nvPr/>
+      </p:nvGrpSpPr>
+      <p:grpSpPr>
+        <a:xfrm>
+          <a:off x="0" y="0"/>
+          <a:ext cx="0" cy="0"/>
+          <a:chOff x="0" y="0"/>
+          <a:chExt cx="0" cy="0"/>
+        </a:xfrm>
+      </p:grpSpPr>
+      <p:sp>
+        <p:nvSpPr>
+          <p:cNvPr id="2" name="Nadpis 1"/>
+          <p:cNvSpPr>
+            <a:spLocks noGrp="1"/>
+          </p:cNvSpPr>
+          <p:nvPr>
+            <p:ph type="title"/>
+          </p:nvPr>
+        </p:nvSpPr>
+        <p:spPr/>
+        <p:txBody>
+          <a:bodyPr/>
+          <a:lstStyle/>
+          <a:p>
+            <a:r>
+              <a:rPr lang="sk-SK" dirty="0" smtClean="0"/>
+              <a:t>Čo ďalej</a:t>
+            </a:r>
+            <a:endParaRPr lang="sk-SK" dirty="0"/>
+          </a:p>
+        </p:txBody>
+      </p:sp>
+      <p:sp>
+        <p:nvSpPr>
+          <p:cNvPr id="3" name="Podnadpis 2"/>
+          <p:cNvSpPr>
+            <a:spLocks noGrp="1"/>
+          </p:cNvSpPr>
+          <p:nvPr>
+            <p:ph type="subTitle"/>
+          </p:nvPr>
+        </p:nvSpPr>
+        <p:spPr>
+          <a:xfrm>
+            <a:off x="503640" y="1495828"/>
+            <a:ext cx="9068760" cy="4370400"/>
+          </a:xfrm>
+        </p:spPr>
+        <p:txBody>
+          <a:bodyPr/>
+          <a:lstStyle/>
+          <a:p>
+            <a:r>
+              <a:rPr lang="sk-SK" dirty="0" smtClean="0"/>
+              <a:t>Pridanie nových atribútov</a:t>
+            </a:r>
+          </a:p>
+          <a:p>
+            <a:pPr lvl="1"/>
+            <a:r>
+              <a:rPr lang="sk-SK" dirty="0"/>
+              <a:t>Je uvedený na titulnej strane alebo nie je</a:t>
+            </a:r>
+            <a:r>
+              <a:rPr lang="sk-SK" dirty="0" smtClean="0"/>
+              <a:t>?</a:t>
+            </a:r>
+          </a:p>
+          <a:p>
+            <a:pPr lvl="1"/>
+            <a:r>
+              <a:rPr lang="sk-SK" dirty="0" smtClean="0"/>
+              <a:t>Analýza fotografie</a:t>
+            </a:r>
+          </a:p>
+          <a:p>
+            <a:pPr lvl="1"/>
+            <a:r>
+              <a:rPr lang="sk-SK" dirty="0" smtClean="0"/>
+              <a:t>Analýza nadpisu </a:t>
+            </a:r>
+          </a:p>
+          <a:p>
+            <a:pPr lvl="1"/>
+            <a:r>
+              <a:rPr lang="sk-SK" dirty="0" smtClean="0"/>
+              <a:t>Iná metrika popularity</a:t>
+            </a:r>
+          </a:p>
+          <a:p>
+            <a:pPr lvl="1"/>
+            <a:r>
+              <a:rPr lang="sk-SK" dirty="0" smtClean="0"/>
+              <a:t>Presnejšia </a:t>
+            </a:r>
+            <a:r>
+              <a:rPr lang="sk-SK" dirty="0" err="1" smtClean="0"/>
+              <a:t>lematizácia</a:t>
+            </a:r>
+            <a:endParaRPr lang="sk-SK" dirty="0"/>
+          </a:p>
+          <a:p>
+            <a:pPr lvl="1"/>
+            <a:r>
+              <a:rPr lang="sk-SK" dirty="0" smtClean="0"/>
+              <a:t>Podobnosť slov, </a:t>
+            </a:r>
+            <a:r>
+              <a:rPr lang="sk-SK" dirty="0" err="1" smtClean="0"/>
+              <a:t>synonýma</a:t>
+            </a:r>
+            <a:endParaRPr lang="sk-SK" dirty="0" smtClean="0"/>
+          </a:p>
+          <a:p>
+            <a:r>
+              <a:rPr lang="sk-SK" dirty="0" smtClean="0"/>
+              <a:t>Vyskúšať iné modely</a:t>
+            </a:r>
+          </a:p>
+          <a:p>
+            <a:pPr lvl="1"/>
+            <a:r>
+              <a:rPr lang="sk-SK" dirty="0" smtClean="0"/>
+              <a:t>Iné regresné modely</a:t>
+            </a:r>
+          </a:p>
+          <a:p>
+            <a:pPr lvl="1"/>
+            <a:r>
+              <a:rPr lang="sk-SK" dirty="0" smtClean="0"/>
+              <a:t>Nerúnové siete</a:t>
+            </a:r>
+          </a:p>
+        </p:txBody>
+      </p:sp>
+    </p:spTree>
+    <p:extLst>
+      <p:ext uri="{BB962C8B-B14F-4D97-AF65-F5344CB8AC3E}">
+        <p14:creationId xmlns:p14="http://schemas.microsoft.com/office/powerpoint/2010/main" val="1043540190"/>
+      </p:ext>
+    </p:extLst>
+  </p:cSld>
+  <p:clrMapOvr>
+    <a:masterClrMapping/>
+  </p:clrMapOvr>
+</p:sld>
+</file>
+
+<file path=ppt/slides/slide2.xml><?xml version="1.0" encoding="utf-8"?>
+<p:sld xmlns:a="http://schemas.openxmlformats.org/drawingml/2006/main" xmlns:r="http://schemas.openxmlformats.org/officeDocument/2006/relationships" xmlns:p="http://schemas.openxmlformats.org/presentationml/2006/main">
+  <p:cSld>
+    <p:spTree>
+      <p:nvGrpSpPr>
+        <p:cNvPr id="1" name=""/>
+        <p:cNvGrpSpPr/>
+        <p:nvPr/>
+      </p:nvGrpSpPr>
+      <p:grpSpPr>
+        <a:xfrm>
+          <a:off x="0" y="0"/>
+          <a:ext cx="0" cy="0"/>
+          <a:chOff x="0" y="0"/>
+          <a:chExt cx="0" cy="0"/>
+        </a:xfrm>
+      </p:grpSpPr>
+      <p:sp>
+        <p:nvSpPr>
+          <p:cNvPr id="44" name="TextShape 1"/>
+          <p:cNvSpPr txBox="1"/>
+          <p:nvPr/>
+        </p:nvSpPr>
+        <p:spPr>
+          <a:xfrm>
+            <a:off x="503640" y="301320"/>
+            <a:ext cx="9068760" cy="1262520"/>
+          </a:xfrm>
+          <a:prstGeom prst="rect">
+            <a:avLst/>
+          </a:prstGeom>
+          <a:noFill/>
+          <a:ln>
+            <a:noFill/>
+          </a:ln>
+        </p:spPr>
+        <p:txBody>
+          <a:bodyPr lIns="0" tIns="0" rIns="0" bIns="0" anchor="ctr"/>
+          <a:lstStyle/>
+          <a:p>
+            <a:pPr algn="ctr"/>
+            <a:r>
+              <a:rPr lang="en-US" sz="4400">
+                <a:latin typeface="Arial"/>
+              </a:rPr>
+              <a:t>Dataset</a:t>
+            </a:r>
+            <a:endParaRPr/>
+          </a:p>
+        </p:txBody>
+      </p:sp>
+      <p:sp>
+        <p:nvSpPr>
+          <p:cNvPr id="45" name="TextShape 2"/>
+          <p:cNvSpPr txBox="1"/>
+          <p:nvPr/>
+        </p:nvSpPr>
+        <p:spPr>
+          <a:xfrm>
+            <a:off x="503640" y="1769400"/>
+            <a:ext cx="9068760" cy="4385520"/>
+          </a:xfrm>
+          <a:prstGeom prst="rect">
+            <a:avLst/>
+          </a:prstGeom>
+          <a:noFill/>
+          <a:ln>
+            <a:noFill/>
+          </a:ln>
+        </p:spPr>
+        <p:txBody>
+          <a:bodyPr lIns="0" tIns="0" rIns="0" bIns="0"/>
+          <a:lstStyle/>
+          <a:p>
+            <a:pPr marL="457200" indent="-457200">
+              <a:buSzPct val="45000"/>
+              <a:buFont typeface="Wingdings" panose="05000000000000000000" pitchFamily="2" charset="2"/>
+              <a:buChar char="q"/>
+            </a:pPr>
+            <a:r>
+              <a:rPr lang="en-US" sz="3200" dirty="0">
+                <a:latin typeface="Arial"/>
+              </a:rPr>
+              <a:t>15 </a:t>
+            </a:r>
+            <a:r>
+              <a:rPr lang="en-US" sz="3200" dirty="0" err="1">
+                <a:latin typeface="Arial"/>
+              </a:rPr>
+              <a:t>dní</a:t>
+            </a:r>
+            <a:r>
+              <a:rPr lang="en-US" sz="3200" dirty="0">
+                <a:latin typeface="Arial"/>
+              </a:rPr>
+              <a:t> </a:t>
+            </a:r>
+            <a:r>
+              <a:rPr lang="en-US" sz="3200" dirty="0" err="1">
+                <a:latin typeface="Arial"/>
+              </a:rPr>
+              <a:t>návštev</a:t>
+            </a:r>
+            <a:r>
+              <a:rPr lang="en-US" sz="3200" dirty="0">
+                <a:latin typeface="Arial"/>
+              </a:rPr>
+              <a:t> </a:t>
+            </a:r>
+            <a:r>
+              <a:rPr lang="en-US" sz="3200" dirty="0" err="1">
+                <a:latin typeface="Arial"/>
+              </a:rPr>
+              <a:t>článkov</a:t>
+            </a:r>
+            <a:r>
+              <a:rPr lang="en-US" sz="3200" dirty="0">
+                <a:latin typeface="Arial"/>
+              </a:rPr>
+              <a:t> </a:t>
+            </a:r>
+            <a:r>
+              <a:rPr lang="en-US" sz="3200" dirty="0" err="1">
+                <a:latin typeface="Arial"/>
+              </a:rPr>
+              <a:t>na</a:t>
+            </a:r>
+            <a:r>
+              <a:rPr lang="en-US" sz="3200" dirty="0">
+                <a:latin typeface="Arial"/>
+              </a:rPr>
+              <a:t> sme.sk</a:t>
+            </a:r>
+            <a:endParaRPr dirty="0"/>
+          </a:p>
+          <a:p>
+            <a:pPr marL="457200" indent="-457200">
+              <a:buSzPct val="45000"/>
+              <a:buFont typeface="Wingdings" panose="05000000000000000000" pitchFamily="2" charset="2"/>
+              <a:buChar char="q"/>
+            </a:pPr>
+            <a:r>
+              <a:rPr lang="en-US" sz="3200" dirty="0" err="1">
+                <a:latin typeface="Arial"/>
+              </a:rPr>
+              <a:t>Články</a:t>
+            </a:r>
+            <a:r>
+              <a:rPr lang="en-US" sz="3200" dirty="0">
+                <a:latin typeface="Arial"/>
+              </a:rPr>
+              <a:t>:</a:t>
+            </a:r>
+            <a:endParaRPr dirty="0"/>
+          </a:p>
+          <a:p>
+            <a:pPr lvl="1">
+              <a:buSzPct val="75000"/>
+              <a:buFont typeface="StarSymbol"/>
+              <a:buChar char=""/>
+            </a:pPr>
+            <a:r>
+              <a:rPr lang="en-US" sz="2800" dirty="0" err="1">
+                <a:latin typeface="Arial"/>
+              </a:rPr>
+              <a:t>Lematizovaný</a:t>
+            </a:r>
+            <a:r>
+              <a:rPr lang="en-US" sz="2800" dirty="0">
+                <a:latin typeface="Arial"/>
+              </a:rPr>
+              <a:t> </a:t>
+            </a:r>
+            <a:r>
+              <a:rPr lang="en-US" sz="2800" dirty="0" err="1">
+                <a:latin typeface="Arial"/>
+              </a:rPr>
+              <a:t>nadpis</a:t>
+            </a:r>
+            <a:endParaRPr dirty="0"/>
+          </a:p>
+          <a:p>
+            <a:pPr lvl="1">
+              <a:buSzPct val="75000"/>
+              <a:buFont typeface="StarSymbol"/>
+              <a:buChar char=""/>
+            </a:pPr>
+            <a:r>
+              <a:rPr lang="en-US" sz="2800" dirty="0" err="1">
+                <a:latin typeface="Arial"/>
+              </a:rPr>
+              <a:t>Lematizovaný</a:t>
+            </a:r>
+            <a:r>
+              <a:rPr lang="en-US" sz="2800" dirty="0">
+                <a:latin typeface="Arial"/>
+              </a:rPr>
+              <a:t> </a:t>
+            </a:r>
+            <a:r>
+              <a:rPr lang="en-US" sz="2800" dirty="0" err="1">
+                <a:latin typeface="Arial"/>
+              </a:rPr>
+              <a:t>obsah</a:t>
+            </a:r>
+            <a:endParaRPr dirty="0"/>
+          </a:p>
+          <a:p>
+            <a:pPr lvl="1">
+              <a:buSzPct val="75000"/>
+              <a:buFont typeface="StarSymbol"/>
+              <a:buChar char=""/>
+            </a:pPr>
+            <a:r>
+              <a:rPr lang="en-US" sz="2800" dirty="0" err="1">
+                <a:latin typeface="Arial"/>
+              </a:rPr>
+              <a:t>Počet</a:t>
+            </a:r>
+            <a:r>
+              <a:rPr lang="en-US" sz="2800" dirty="0">
+                <a:latin typeface="Arial"/>
+              </a:rPr>
+              <a:t> </a:t>
+            </a:r>
+            <a:r>
+              <a:rPr lang="en-US" sz="2800" dirty="0" err="1">
+                <a:latin typeface="Arial"/>
+              </a:rPr>
+              <a:t>nie</a:t>
+            </a:r>
+            <a:r>
+              <a:rPr lang="en-US" sz="2800" dirty="0">
+                <a:latin typeface="Arial"/>
+              </a:rPr>
+              <a:t> </a:t>
+            </a:r>
+            <a:r>
+              <a:rPr lang="en-US" sz="2800" dirty="0" err="1">
+                <a:latin typeface="Arial"/>
+              </a:rPr>
+              <a:t>unikátnych</a:t>
+            </a:r>
+            <a:r>
+              <a:rPr lang="en-US" sz="2800" dirty="0">
+                <a:latin typeface="Arial"/>
+              </a:rPr>
+              <a:t> </a:t>
+            </a:r>
+            <a:r>
+              <a:rPr lang="en-US" sz="2800" dirty="0" err="1">
+                <a:latin typeface="Arial"/>
+              </a:rPr>
+              <a:t>návštev</a:t>
+            </a:r>
+            <a:endParaRPr dirty="0"/>
+          </a:p>
+          <a:p>
+            <a:pPr lvl="1">
+              <a:buSzPct val="75000"/>
+              <a:buFont typeface="StarSymbol"/>
+              <a:buChar char=""/>
+            </a:pPr>
+            <a:r>
+              <a:rPr lang="en-US" sz="2800" dirty="0" err="1">
+                <a:latin typeface="Arial"/>
+              </a:rPr>
+              <a:t>Dátum</a:t>
+            </a:r>
+            <a:r>
+              <a:rPr lang="en-US" sz="2800" dirty="0">
+                <a:latin typeface="Arial"/>
+              </a:rPr>
+              <a:t> </a:t>
+            </a:r>
+            <a:r>
+              <a:rPr lang="en-US" sz="2800" dirty="0" err="1">
+                <a:latin typeface="Arial"/>
+              </a:rPr>
+              <a:t>publikovania</a:t>
+            </a:r>
+            <a:endParaRPr dirty="0"/>
+          </a:p>
+        </p:txBody>
+      </p:sp>
+    </p:spTree>
+  </p:cSld>
+  <p:clrMapOvr>
+    <a:masterClrMapping/>
+  </p:clrMapOvr>
+  <p:timing>
+    <p:tnLst>
+      <p:par>
+        <p:cTn id="1" dur="indefinite" restart="never" nodeType="tmRoot">
+          <p:childTnLst>
+            <p:seq>
+              <p:cTn id="2" nodeType="mainSeq"/>
+              <p:prevCondLst>
+                <p:cond evt="onPrev" delay="0">
+                  <p:tgtEl>
+                    <p:sldTgt/>
+                  </p:tgtEl>
+                </p:cond>
+              </p:prevCondLst>
+              <p:nextCondLst>
+                <p:cond evt="onNext" delay="0">
                   <p:tgtEl>
                     <p:sldTgt/>
                   </p:tgtEl>
@@ -1879,7 +2961,7 @@
 </file>
 
 <file path=ppt/slides/slide3.xml><?xml version="1.0" encoding="utf-8"?>
-<p:sld xmlns:a="http://schemas.openxmlformats.org/drawingml/2006/main" xmlns:p="http://schemas.openxmlformats.org/presentationml/2006/main" xmlns:r="http://schemas.openxmlformats.org/officeDocument/2006/relationships">
+<p:sld xmlns:a="http://schemas.openxmlformats.org/drawingml/2006/main" xmlns:r="http://schemas.openxmlformats.org/officeDocument/2006/relationships" xmlns:p="http://schemas.openxmlformats.org/presentationml/2006/main">
   <p:cSld>
     <p:spTree>
       <p:nvGrpSpPr>
@@ -1915,7 +2997,8 @@
           </a:ln>
         </p:spPr>
         <p:txBody>
-          <a:bodyPr lIns="0" rIns="0" tIns="0" bIns="0" anchor="ctr"/>
+          <a:bodyPr lIns="0" tIns="0" rIns="0" bIns="0" anchor="ctr"/>
+          <a:lstStyle/>
           <a:p>
             <a:pPr algn="ctr"/>
             <a:r>
@@ -1948,55 +3031,185 @@
           </a:ln>
         </p:spPr>
         <p:txBody>
-          <a:bodyPr lIns="0" rIns="0" tIns="0" bIns="0"/>
-          <a:p>
-            <a:pPr>
+          <a:bodyPr lIns="0" tIns="0" rIns="0" bIns="0"/>
+          <a:lstStyle/>
+          <a:p>
+            <a:pPr marL="457200" indent="-457200">
               <a:buSzPct val="45000"/>
-              <a:buFont typeface="StarSymbol"/>
-              <a:buChar char=""/>
+              <a:buFont typeface="Wingdings" panose="05000000000000000000" pitchFamily="2" charset="2"/>
+              <a:buChar char="q"/>
             </a:pPr>
             <a:r>
-              <a:rPr lang="en-US" sz="3200">
-                <a:latin typeface="Arial"/>
-              </a:rPr>
-              <a:t>Články z rozmedzia 2 týždňov.</a:t>
-            </a:r>
-            <a:endParaRPr/>
-          </a:p>
-          <a:p>
-            <a:pPr>
+              <a:rPr lang="en-US" sz="3200" dirty="0" err="1">
+                <a:latin typeface="Arial"/>
+              </a:rPr>
+              <a:t>Články</a:t>
+            </a:r>
+            <a:r>
+              <a:rPr lang="en-US" sz="3200" dirty="0">
+                <a:latin typeface="Arial"/>
+              </a:rPr>
+              <a:t> z </a:t>
+            </a:r>
+            <a:r>
+              <a:rPr lang="en-US" sz="3200" dirty="0" err="1">
+                <a:latin typeface="Arial"/>
+              </a:rPr>
+              <a:t>rozmedzia</a:t>
+            </a:r>
+            <a:r>
+              <a:rPr lang="en-US" sz="3200" dirty="0">
+                <a:latin typeface="Arial"/>
+              </a:rPr>
+              <a:t> 2 </a:t>
+            </a:r>
+            <a:r>
+              <a:rPr lang="en-US" sz="3200" dirty="0" err="1">
+                <a:latin typeface="Arial"/>
+              </a:rPr>
+              <a:t>týždňov</a:t>
+            </a:r>
+            <a:r>
+              <a:rPr lang="en-US" sz="3200" dirty="0">
+                <a:latin typeface="Arial"/>
+              </a:rPr>
+              <a:t>.</a:t>
+            </a:r>
+            <a:endParaRPr dirty="0"/>
+          </a:p>
+          <a:p>
+            <a:pPr marL="457200" indent="-457200">
               <a:buSzPct val="45000"/>
-              <a:buFont typeface="StarSymbol"/>
-              <a:buChar char=""/>
+              <a:buFont typeface="Wingdings" panose="05000000000000000000" pitchFamily="2" charset="2"/>
+              <a:buChar char="q"/>
             </a:pPr>
             <a:r>
-              <a:rPr lang="en-US" sz="3200">
-                <a:latin typeface="Arial"/>
-              </a:rPr>
-              <a:t>Pre každý článok sme si vypočítali návštevnosť 1 deň od publikovania.</a:t>
-            </a:r>
-            <a:endParaRPr/>
+              <a:rPr lang="en-US" sz="3200" dirty="0">
+                <a:latin typeface="Arial"/>
+              </a:rPr>
+              <a:t>Pre </a:t>
+            </a:r>
+            <a:r>
+              <a:rPr lang="en-US" sz="3200" dirty="0" err="1">
+                <a:latin typeface="Arial"/>
+              </a:rPr>
+              <a:t>každý</a:t>
+            </a:r>
+            <a:r>
+              <a:rPr lang="en-US" sz="3200" dirty="0">
+                <a:latin typeface="Arial"/>
+              </a:rPr>
+              <a:t> </a:t>
+            </a:r>
+            <a:r>
+              <a:rPr lang="en-US" sz="3200" dirty="0" err="1">
+                <a:latin typeface="Arial"/>
+              </a:rPr>
+              <a:t>článok</a:t>
+            </a:r>
+            <a:r>
+              <a:rPr lang="en-US" sz="3200" dirty="0">
+                <a:latin typeface="Arial"/>
+              </a:rPr>
+              <a:t> </a:t>
+            </a:r>
+            <a:r>
+              <a:rPr lang="en-US" sz="3200" dirty="0" err="1">
+                <a:latin typeface="Arial"/>
+              </a:rPr>
+              <a:t>sme</a:t>
+            </a:r>
+            <a:r>
+              <a:rPr lang="en-US" sz="3200" dirty="0">
+                <a:latin typeface="Arial"/>
+              </a:rPr>
+              <a:t> </a:t>
+            </a:r>
+            <a:r>
+              <a:rPr lang="en-US" sz="3200" dirty="0" err="1">
+                <a:latin typeface="Arial"/>
+              </a:rPr>
+              <a:t>si</a:t>
+            </a:r>
+            <a:r>
+              <a:rPr lang="en-US" sz="3200" dirty="0">
+                <a:latin typeface="Arial"/>
+              </a:rPr>
+              <a:t> </a:t>
+            </a:r>
+            <a:r>
+              <a:rPr lang="en-US" sz="3200" dirty="0" err="1">
+                <a:latin typeface="Arial"/>
+              </a:rPr>
+              <a:t>vypočítali</a:t>
+            </a:r>
+            <a:r>
+              <a:rPr lang="en-US" sz="3200" dirty="0">
+                <a:latin typeface="Arial"/>
+              </a:rPr>
+              <a:t> </a:t>
+            </a:r>
+            <a:r>
+              <a:rPr lang="en-US" sz="3200" dirty="0" err="1">
+                <a:latin typeface="Arial"/>
+              </a:rPr>
+              <a:t>návštevnosť</a:t>
+            </a:r>
+            <a:r>
+              <a:rPr lang="en-US" sz="3200" dirty="0">
+                <a:latin typeface="Arial"/>
+              </a:rPr>
+              <a:t> 1 </a:t>
+            </a:r>
+            <a:r>
+              <a:rPr lang="en-US" sz="3200" dirty="0" err="1">
+                <a:latin typeface="Arial"/>
+              </a:rPr>
+              <a:t>deň</a:t>
+            </a:r>
+            <a:r>
+              <a:rPr lang="en-US" sz="3200" dirty="0">
+                <a:latin typeface="Arial"/>
+              </a:rPr>
+              <a:t> od </a:t>
+            </a:r>
+            <a:r>
+              <a:rPr lang="en-US" sz="3200" dirty="0" err="1">
+                <a:latin typeface="Arial"/>
+              </a:rPr>
+              <a:t>publikovania</a:t>
+            </a:r>
+            <a:r>
+              <a:rPr lang="en-US" sz="3200" dirty="0">
+                <a:latin typeface="Arial"/>
+              </a:rPr>
+              <a:t>.</a:t>
+            </a:r>
+            <a:endParaRPr dirty="0"/>
           </a:p>
         </p:txBody>
       </p:sp>
     </p:spTree>
   </p:cSld>
+  <p:clrMapOvr>
+    <a:masterClrMapping/>
+  </p:clrMapOvr>
   <p:timing>
     <p:tnLst>
       <p:par>
-        <p:cTn id="5" dur="indefinite" restart="never" nodeType="tmRoot">
+        <p:cTn id="1" dur="indefinite" restart="never" nodeType="tmRoot">
           <p:childTnLst>
             <p:seq>
-              <p:cTn id="6" nodeType="mainSeq"/>
+              <p:cTn id="2" nodeType="mainSeq"/>
               <p:prevCondLst>
-                <p:cond delay="0" evt="onPrev">
+                <p:cond evt="onPrev" delay="0">
                   <p:tgtEl>
                     <p:sldTgt/>
                   </p:tgtEl>
                 </p:cond>
               </p:prevCondLst>
               <p:nextCondLst>
-                <p:cond delay="0" evt="onNext">
+                <p:cond evt="onNext" delay="0">
                   <p:tgtEl>
                     <p:sldTgt/>
                   </p:tgtEl>
@@ -2012,7 +3225,7 @@
 </file>
 
 <file path=ppt/slides/slide4.xml><?xml version="1.0" encoding="utf-8"?>
-<p:sld xmlns:a="http://schemas.openxmlformats.org/drawingml/2006/main" xmlns:p="http://schemas.openxmlformats.org/presentationml/2006/main" xmlns:r="http://schemas.openxmlformats.org/officeDocument/2006/relationships">
+<p:sld xmlns:a="http://schemas.openxmlformats.org/drawingml/2006/main" xmlns:r="http://schemas.openxmlformats.org/officeDocument/2006/relationships" xmlns:p="http://schemas.openxmlformats.org/presentationml/2006/main">
   <p:cSld>
     <p:spTree>
       <p:nvGrpSpPr>
@@ -2048,7 +3261,8 @@
           </a:ln>
         </p:spPr>
         <p:txBody>
-          <a:bodyPr lIns="0" rIns="0" tIns="0" bIns="0" anchor="ctr"/>
+          <a:bodyPr lIns="0" tIns="0" rIns="0" bIns="0" anchor="ctr"/>
+          <a:lstStyle/>
           <a:p>
             <a:pPr algn="ctr"/>
             <a:r>
@@ -2081,110 +3295,258 @@
           </a:ln>
         </p:spPr>
         <p:txBody>
-          <a:bodyPr lIns="0" rIns="0" tIns="0" bIns="0"/>
-          <a:p>
-            <a:pPr>
+          <a:bodyPr lIns="0" tIns="0" rIns="0" bIns="0"/>
+          <a:lstStyle/>
+          <a:p>
+            <a:pPr marL="457200" indent="-457200">
               <a:buSzPct val="45000"/>
-              <a:buFont typeface="StarSymbol"/>
-              <a:buChar char=""/>
+              <a:buFont typeface="Wingdings" panose="05000000000000000000" pitchFamily="2" charset="2"/>
+              <a:buChar char="q"/>
             </a:pPr>
             <a:r>
-              <a:rPr lang="en-US" sz="3200">
+              <a:rPr lang="en-US" sz="3200" dirty="0" err="1">
                 <a:latin typeface="Arial"/>
               </a:rPr>
               <a:t>Lematizácia</a:t>
             </a:r>
             <a:r>
-              <a:rPr lang="en-US" sz="3200">
+              <a:rPr lang="en-US" sz="3200" dirty="0">
                 <a:latin typeface="Arial"/>
               </a:rPr>
               <a:t>
-</a:t>
-            </a:r>
-            <a:r>
-              <a:rPr lang="en-US" sz="3200">
-                <a:latin typeface="Arial"/>
-              </a:rPr>
-              <a:t>http://text.fiit.stuba.sk/lemmatizer/#fast</a:t>
-            </a:r>
-            <a:endParaRPr/>
-          </a:p>
-          <a:p>
-            <a:pPr>
+http://text.fiit.stuba.sk/lemmatizer/#fast</a:t>
+            </a:r>
+            <a:endParaRPr dirty="0"/>
+          </a:p>
+          <a:p>
+            <a:pPr marL="457200" indent="-457200">
               <a:buSzPct val="45000"/>
-              <a:buFont typeface="StarSymbol"/>
-              <a:buChar char=""/>
+              <a:buFont typeface="Wingdings" panose="05000000000000000000" pitchFamily="2" charset="2"/>
+              <a:buChar char="q"/>
             </a:pPr>
             <a:r>
-              <a:rPr lang="en-US" sz="3200">
-                <a:latin typeface="Arial"/>
-              </a:rPr>
-              <a:t>odstránenie stop slov</a:t>
-            </a:r>
-            <a:endParaRPr/>
-          </a:p>
-          <a:p>
-            <a:pPr>
+              <a:rPr lang="en-US" sz="3200" dirty="0" err="1">
+                <a:latin typeface="Arial"/>
+              </a:rPr>
+              <a:t>O</a:t>
+            </a:r>
+            <a:r>
+              <a:rPr lang="en-US" sz="3200" dirty="0" err="1" smtClean="0">
+                <a:latin typeface="Arial"/>
+              </a:rPr>
+              <a:t>dstránenie</a:t>
+            </a:r>
+            <a:r>
+              <a:rPr lang="en-US" sz="3200" dirty="0" smtClean="0">
+                <a:latin typeface="Arial"/>
+              </a:rPr>
+              <a:t> </a:t>
+            </a:r>
+            <a:r>
+              <a:rPr lang="en-US" sz="3200" dirty="0">
+                <a:latin typeface="Arial"/>
+              </a:rPr>
+              <a:t>stop </a:t>
+            </a:r>
+            <a:r>
+              <a:rPr lang="en-US" sz="3200" dirty="0" err="1">
+                <a:latin typeface="Arial"/>
+              </a:rPr>
+              <a:t>slov</a:t>
+            </a:r>
+            <a:endParaRPr dirty="0"/>
+          </a:p>
+          <a:p>
+            <a:pPr marL="457200" indent="-457200">
               <a:buSzPct val="45000"/>
-              <a:buFont typeface="StarSymbol"/>
-              <a:buChar char=""/>
+              <a:buFont typeface="Wingdings" panose="05000000000000000000" pitchFamily="2" charset="2"/>
+              <a:buChar char="q"/>
             </a:pPr>
             <a:r>
-              <a:rPr lang="en-US" sz="3200">
-                <a:latin typeface="Arial"/>
-              </a:rPr>
-              <a:t>Transformácia na vektor metódou TD-IDF</a:t>
-            </a:r>
-            <a:endParaRPr/>
-          </a:p>
-          <a:p>
-            <a:pPr>
+              <a:rPr lang="en-US" sz="3200" dirty="0" err="1">
+                <a:latin typeface="Arial"/>
+              </a:rPr>
+              <a:t>Transformácia</a:t>
+            </a:r>
+            <a:r>
+              <a:rPr lang="en-US" sz="3200" dirty="0">
+                <a:latin typeface="Arial"/>
+              </a:rPr>
+              <a:t> </a:t>
+            </a:r>
+            <a:r>
+              <a:rPr lang="en-US" sz="3200" dirty="0" err="1">
+                <a:latin typeface="Arial"/>
+              </a:rPr>
+              <a:t>na</a:t>
+            </a:r>
+            <a:r>
+              <a:rPr lang="en-US" sz="3200" dirty="0">
+                <a:latin typeface="Arial"/>
+              </a:rPr>
+              <a:t> </a:t>
+            </a:r>
+            <a:r>
+              <a:rPr lang="en-US" sz="3200" dirty="0" err="1">
+                <a:latin typeface="Arial"/>
+              </a:rPr>
+              <a:t>vektor</a:t>
+            </a:r>
+            <a:r>
+              <a:rPr lang="en-US" sz="3200" dirty="0">
+                <a:latin typeface="Arial"/>
+              </a:rPr>
+              <a:t> </a:t>
+            </a:r>
+            <a:r>
+              <a:rPr lang="en-US" sz="3200" dirty="0" err="1">
+                <a:latin typeface="Arial"/>
+              </a:rPr>
+              <a:t>metódou</a:t>
+            </a:r>
+            <a:r>
+              <a:rPr lang="en-US" sz="3200" dirty="0">
+                <a:latin typeface="Arial"/>
+              </a:rPr>
+              <a:t> TD-IDF</a:t>
+            </a:r>
+            <a:endParaRPr dirty="0"/>
+          </a:p>
+          <a:p>
+            <a:pPr marL="457200" indent="-457200">
               <a:buSzPct val="45000"/>
-              <a:buFont typeface="StarSymbol"/>
-              <a:buChar char=""/>
+              <a:buFont typeface="Wingdings" panose="05000000000000000000" pitchFamily="2" charset="2"/>
+              <a:buChar char="q"/>
             </a:pPr>
             <a:r>
-              <a:rPr lang="en-US" sz="3200">
-                <a:latin typeface="Arial"/>
-              </a:rPr>
-              <a:t>Prevod na logaritmický tvar</a:t>
-            </a:r>
-            <a:endParaRPr/>
-          </a:p>
-          <a:p>
-            <a:pPr>
+              <a:rPr lang="en-US" sz="3200" dirty="0" err="1">
+                <a:latin typeface="Arial"/>
+              </a:rPr>
+              <a:t>Prevod</a:t>
+            </a:r>
+            <a:r>
+              <a:rPr lang="en-US" sz="3200" dirty="0">
+                <a:latin typeface="Arial"/>
+              </a:rPr>
+              <a:t> </a:t>
+            </a:r>
+            <a:r>
+              <a:rPr lang="en-US" sz="3200" dirty="0" err="1">
+                <a:latin typeface="Arial"/>
+              </a:rPr>
+              <a:t>na</a:t>
+            </a:r>
+            <a:r>
+              <a:rPr lang="en-US" sz="3200" dirty="0">
+                <a:latin typeface="Arial"/>
+              </a:rPr>
+              <a:t> </a:t>
+            </a:r>
+            <a:r>
+              <a:rPr lang="en-US" sz="3200" dirty="0" err="1">
+                <a:latin typeface="Arial"/>
+              </a:rPr>
+              <a:t>logaritmický</a:t>
+            </a:r>
+            <a:r>
+              <a:rPr lang="en-US" sz="3200" dirty="0">
+                <a:latin typeface="Arial"/>
+              </a:rPr>
+              <a:t> </a:t>
+            </a:r>
+            <a:r>
+              <a:rPr lang="en-US" sz="3200" dirty="0" err="1" smtClean="0">
+                <a:latin typeface="Arial"/>
+              </a:rPr>
+              <a:t>tvar</a:t>
+            </a:r>
+            <a:endParaRPr lang="sk-SK" sz="3200" dirty="0">
+              <a:latin typeface="Arial"/>
+            </a:endParaRPr>
+          </a:p>
+          <a:p>
+            <a:pPr marL="457200" indent="-457200">
               <a:buSzPct val="45000"/>
-              <a:buFont typeface="StarSymbol"/>
-              <a:buChar char=""/>
+              <a:buFont typeface="Wingdings" panose="05000000000000000000" pitchFamily="2" charset="2"/>
+              <a:buChar char="q"/>
             </a:pPr>
             <a:r>
-              <a:rPr lang="en-US" sz="3200">
-                <a:latin typeface="Arial"/>
-              </a:rPr>
-              <a:t>Krížová validácia s 10 vrstvami (folds)</a:t>
-            </a:r>
-            <a:endParaRPr/>
+              <a:rPr lang="sk-SK" sz="3200" dirty="0" smtClean="0">
+                <a:latin typeface="Arial"/>
+              </a:rPr>
+              <a:t>Lineárna regresia</a:t>
+            </a:r>
+            <a:endParaRPr lang="sk-SK" sz="3200" dirty="0">
+              <a:latin typeface="Arial"/>
+            </a:endParaRPr>
+          </a:p>
+          <a:p>
+            <a:pPr marL="457200" indent="-457200">
+              <a:buSzPct val="45000"/>
+              <a:buFont typeface="Wingdings" panose="05000000000000000000" pitchFamily="2" charset="2"/>
+              <a:buChar char="q"/>
+            </a:pPr>
+            <a:r>
+              <a:rPr lang="en-US" sz="3200" dirty="0" err="1" smtClean="0">
+                <a:latin typeface="Arial"/>
+              </a:rPr>
+              <a:t>Krížová</a:t>
+            </a:r>
+            <a:r>
+              <a:rPr lang="en-US" sz="3200" dirty="0" smtClean="0">
+                <a:latin typeface="Arial"/>
+              </a:rPr>
+              <a:t> </a:t>
+            </a:r>
+            <a:r>
+              <a:rPr lang="en-US" sz="3200" dirty="0" err="1">
+                <a:latin typeface="Arial"/>
+              </a:rPr>
+              <a:t>validácia</a:t>
+            </a:r>
+            <a:r>
+              <a:rPr lang="en-US" sz="3200" dirty="0">
+                <a:latin typeface="Arial"/>
+              </a:rPr>
+              <a:t> s 10 </a:t>
+            </a:r>
+            <a:r>
+              <a:rPr lang="en-US" sz="3200" dirty="0" err="1">
+                <a:latin typeface="Arial"/>
+              </a:rPr>
+              <a:t>vrstvami</a:t>
+            </a:r>
+            <a:r>
+              <a:rPr lang="en-US" sz="3200" dirty="0">
+                <a:latin typeface="Arial"/>
+              </a:rPr>
+              <a:t> (folds)</a:t>
+            </a:r>
+            <a:endParaRPr dirty="0"/>
           </a:p>
         </p:txBody>
       </p:sp>
     </p:spTree>
   </p:cSld>
+  <p:clrMapOvr>
+    <a:masterClrMapping/>
+  </p:clrMapOvr>
   <p:timing>
     <p:tnLst>
       <p:par>
-        <p:cTn id="7" dur="indefinite" restart="never" nodeType="tmRoot">
+        <p:cTn id="1" dur="indefinite" restart="never" nodeType="tmRoot">
           <p:childTnLst>
             <p:seq>
-              <p:cTn id="8" nodeType="mainSeq"/>
+              <p:cTn id="2" nodeType="mainSeq"/>
               <p:prevCondLst>
-                <p:cond delay="0" evt="onPrev">
+                <p:cond evt="onPrev" delay="0">
                   <p:tgtEl>
                     <p:sldTgt/>
                   </p:tgtEl>
                 </p:cond>
               </p:prevCondLst>
               <p:nextCondLst>
-                <p:cond delay="0" evt="onNext">
+                <p:cond evt="onNext" delay="0">
                   <p:tgtEl>
                     <p:sldTgt/>
                   </p:tgtEl>
@@ -2200,7 +3562,7 @@
 </file>
 
 <file path=ppt/slides/slide5.xml><?xml version="1.0" encoding="utf-8"?>
-<p:sld xmlns:a="http://schemas.openxmlformats.org/drawingml/2006/main" xmlns:p="http://schemas.openxmlformats.org/presentationml/2006/main" xmlns:r="http://schemas.openxmlformats.org/officeDocument/2006/relationships">
+<p:sld xmlns:a="http://schemas.openxmlformats.org/drawingml/2006/main" xmlns:r="http://schemas.openxmlformats.org/officeDocument/2006/relationships" xmlns:p="http://schemas.openxmlformats.org/presentationml/2006/main">
   <p:cSld>
     <p:spTree>
       <p:nvGrpSpPr>
@@ -2218,92 +3580,614 @@
       </p:grpSpPr>
       <p:sp>
         <p:nvSpPr>
-          <p:cNvPr id="50" name="TextShape 1"/>
-          <p:cNvSpPr txBox="1"/>
-          <p:nvPr/>
-        </p:nvSpPr>
-        <p:spPr>
-          <a:xfrm>
-            <a:off x="503640" y="301320"/>
-            <a:ext cx="9068760" cy="1262520"/>
-          </a:xfrm>
-          <a:prstGeom prst="rect">
-            <a:avLst/>
-          </a:prstGeom>
-          <a:noFill/>
-          <a:ln>
-            <a:noFill/>
-          </a:ln>
-        </p:spPr>
-        <p:txBody>
-          <a:bodyPr lIns="0" rIns="0" tIns="0" bIns="0" anchor="ctr"/>
-          <a:p>
-            <a:pPr algn="ctr"/>
-            <a:r>
-              <a:rPr lang="en-US" sz="4400">
-                <a:latin typeface="Arial"/>
-              </a:rPr>
-              <a:t>Zdroje</a:t>
-            </a:r>
-            <a:endParaRPr/>
-          </a:p>
-        </p:txBody>
-      </p:sp>
-      <p:sp>
-        <p:nvSpPr>
-          <p:cNvPr id="51" name="TextShape 2"/>
-          <p:cNvSpPr txBox="1"/>
-          <p:nvPr/>
-        </p:nvSpPr>
-        <p:spPr>
-          <a:xfrm>
-            <a:off x="503640" y="1769400"/>
+          <p:cNvPr id="4" name="Zástupný symbol textu 3"/>
+          <p:cNvSpPr>
+            <a:spLocks noGrp="1"/>
+          </p:cNvSpPr>
+          <p:nvPr>
+            <p:ph type="body"/>
+          </p:nvPr>
+        </p:nvSpPr>
+        <p:spPr>
+          <a:xfrm>
+            <a:off x="503640" y="1563840"/>
             <a:ext cx="9068760" cy="4385520"/>
           </a:xfrm>
-          <a:prstGeom prst="rect">
-            <a:avLst/>
-          </a:prstGeom>
-          <a:noFill/>
-          <a:ln>
-            <a:noFill/>
-          </a:ln>
-        </p:spPr>
-        <p:txBody>
-          <a:bodyPr lIns="0" rIns="0" tIns="0" bIns="0"/>
-          <a:p>
-            <a:endParaRPr/>
+        </p:spPr>
+        <p:txBody>
+          <a:bodyPr/>
+          <a:lstStyle/>
+          <a:p>
+            <a:r>
+              <a:rPr lang="en-US" dirty="0" err="1" smtClean="0"/>
+              <a:t>Prv</a:t>
+            </a:r>
+            <a:r>
+              <a:rPr lang="sk-SK" dirty="0" smtClean="0"/>
+              <a:t>ý pokus</a:t>
+            </a:r>
+          </a:p>
+          <a:p>
+            <a:pPr lvl="1"/>
+            <a:r>
+              <a:rPr lang="sk-SK" dirty="0" smtClean="0"/>
+              <a:t>Počet článkov 4125</a:t>
+            </a:r>
+          </a:p>
+          <a:p>
+            <a:pPr lvl="1"/>
+            <a:r>
+              <a:rPr lang="sk-SK" dirty="0" smtClean="0"/>
+              <a:t>Najčastejšie sa vyskytujúce slová (106 / 56 000)</a:t>
+            </a:r>
+          </a:p>
+          <a:p>
+            <a:pPr lvl="1"/>
+            <a:r>
+              <a:rPr lang="sk-SK" dirty="0" smtClean="0"/>
+              <a:t>CV (</a:t>
+            </a:r>
+            <a:r>
+              <a:rPr lang="sk-SK" dirty="0" err="1" smtClean="0"/>
+              <a:t>Cross-validation</a:t>
+            </a:r>
+            <a:r>
+              <a:rPr lang="sk-SK" dirty="0" smtClean="0"/>
+              <a:t> </a:t>
+            </a:r>
+            <a:r>
+              <a:rPr lang="sk-SK" dirty="0" err="1"/>
+              <a:t>error</a:t>
+            </a:r>
+            <a:r>
+              <a:rPr lang="sk-SK" dirty="0"/>
+              <a:t> </a:t>
+            </a:r>
+            <a:r>
+              <a:rPr lang="sk-SK" dirty="0" err="1"/>
+              <a:t>estimate</a:t>
+            </a:r>
+            <a:r>
+              <a:rPr lang="sk-SK" dirty="0"/>
+              <a:t>) = </a:t>
+            </a:r>
+            <a:r>
+              <a:rPr lang="sk-SK" dirty="0" smtClean="0"/>
+              <a:t>74</a:t>
+            </a:r>
+          </a:p>
+          <a:p>
+            <a:pPr lvl="1"/>
+            <a:r>
+              <a:rPr lang="sk-SK" dirty="0" smtClean="0"/>
+              <a:t>Priemerná chyba </a:t>
+            </a:r>
+            <a:r>
+              <a:rPr lang="sk-SK" dirty="0"/>
+              <a:t>= 1297 </a:t>
+            </a:r>
+          </a:p>
+          <a:p>
+            <a:pPr lvl="1"/>
+            <a:r>
+              <a:rPr lang="sk-SK" dirty="0" smtClean="0"/>
+              <a:t>Medián = 157</a:t>
+            </a:r>
+            <a:endParaRPr lang="sk-SK" dirty="0"/>
+          </a:p>
+          <a:p>
+            <a:r>
+              <a:rPr lang="sk-SK" dirty="0" smtClean="0"/>
+              <a:t>Ďalšie pokusy s viac slovami: </a:t>
+            </a:r>
+          </a:p>
+          <a:p>
+            <a:pPr lvl="1"/>
+            <a:r>
+              <a:rPr lang="sk-SK" dirty="0" smtClean="0"/>
+              <a:t>404, 1079, 1357, </a:t>
+            </a:r>
+            <a:r>
+              <a:rPr lang="sk-SK" b="1" dirty="0" smtClean="0">
+                <a:solidFill>
+                  <a:schemeClr val="accent3">
+                    <a:lumMod val="50000"/>
+                  </a:schemeClr>
+                </a:solidFill>
+              </a:rPr>
+              <a:t>2649</a:t>
+            </a:r>
+            <a:r>
+              <a:rPr lang="sk-SK" b="1" dirty="0" smtClean="0"/>
+              <a:t>,</a:t>
+            </a:r>
+            <a:r>
+              <a:rPr lang="sk-SK" b="1" dirty="0" smtClean="0">
+                <a:solidFill>
+                  <a:schemeClr val="accent3"/>
+                </a:solidFill>
+              </a:rPr>
+              <a:t> </a:t>
+            </a:r>
+            <a:r>
+              <a:rPr lang="sk-SK" b="1" dirty="0" smtClean="0">
+                <a:solidFill>
+                  <a:srgbClr val="C00000"/>
+                </a:solidFill>
+              </a:rPr>
+              <a:t>4056</a:t>
+            </a:r>
+            <a:r>
+              <a:rPr lang="sk-SK" dirty="0" smtClean="0"/>
+              <a:t> </a:t>
+            </a:r>
+          </a:p>
+          <a:p>
+            <a:pPr marL="0" indent="0">
+              <a:buNone/>
+            </a:pPr>
+            <a:endParaRPr lang="sk-SK" dirty="0"/>
+          </a:p>
+          <a:p>
+            <a:pPr marL="457200" lvl="1" indent="0">
+              <a:buNone/>
+            </a:pPr>
+            <a:endParaRPr lang="sk-SK" dirty="0" smtClean="0"/>
+          </a:p>
+        </p:txBody>
+      </p:sp>
+      <p:sp>
+        <p:nvSpPr>
+          <p:cNvPr id="2" name="Nadpis 1"/>
+          <p:cNvSpPr>
+            <a:spLocks noGrp="1"/>
+          </p:cNvSpPr>
+          <p:nvPr>
+            <p:ph type="title"/>
+          </p:nvPr>
+        </p:nvSpPr>
+        <p:spPr/>
+        <p:txBody>
+          <a:bodyPr/>
+          <a:lstStyle/>
+          <a:p>
+            <a:r>
+              <a:rPr lang="sk-SK" dirty="0"/>
+              <a:t>V</a:t>
+            </a:r>
+            <a:r>
+              <a:rPr lang="sk-SK" dirty="0" smtClean="0"/>
+              <a:t>ýsledky</a:t>
+            </a:r>
+            <a:endParaRPr lang="sk-SK" dirty="0"/>
           </a:p>
         </p:txBody>
       </p:sp>
     </p:spTree>
+    <p:extLst>
+      <p:ext uri="{BB962C8B-B14F-4D97-AF65-F5344CB8AC3E}">
+        <p14:creationId xmlns:p14="http://schemas.microsoft.com/office/powerpoint/2010/main" val="3557389041"/>
+      </p:ext>
+    </p:extLst>
   </p:cSld>
+  <p:clrMapOvr>
+    <a:masterClrMapping/>
+  </p:clrMapOvr>
   <p:timing>
     <p:tnLst>
       <p:par>
-        <p:cTn id="9" dur="indefinite" restart="never" nodeType="tmRoot">
-          <p:childTnLst>
-            <p:seq>
-              <p:cTn id="10" nodeType="mainSeq"/>
-              <p:prevCondLst>
-                <p:cond delay="0" evt="onPrev">
-                  <p:tgtEl>
-                    <p:sldTgt/>
-                  </p:tgtEl>
-                </p:cond>
-              </p:prevCondLst>
-              <p:nextCondLst>
-                <p:cond delay="0" evt="onNext">
-                  <p:tgtEl>
-                    <p:sldTgt/>
-                  </p:tgtEl>
-                </p:cond>
-              </p:nextCondLst>
-            </p:seq>
-          </p:childTnLst>
-        </p:cTn>
+        <p:cTn id="1" dur="indefinite" restart="never" nodeType="tmRoot"/>
       </p:par>
     </p:tnLst>
   </p:timing>
+</p:sld>
+</file>
+
+<file path=ppt/slides/slide6.xml><?xml version="1.0" encoding="utf-8"?>
+<p:sld xmlns:a="http://schemas.openxmlformats.org/drawingml/2006/main" xmlns:r="http://schemas.openxmlformats.org/officeDocument/2006/relationships" xmlns:p="http://schemas.openxmlformats.org/presentationml/2006/main">
+  <p:cSld>
+    <p:spTree>
+      <p:nvGrpSpPr>
+        <p:cNvPr id="1" name=""/>
+        <p:cNvGrpSpPr/>
+        <p:nvPr/>
+      </p:nvGrpSpPr>
+      <p:grpSpPr>
+        <a:xfrm>
+          <a:off x="0" y="0"/>
+          <a:ext cx="0" cy="0"/>
+          <a:chOff x="0" y="0"/>
+          <a:chExt cx="0" cy="0"/>
+        </a:xfrm>
+      </p:grpSpPr>
+      <p:sp>
+        <p:nvSpPr>
+          <p:cNvPr id="2" name="Nadpis 1"/>
+          <p:cNvSpPr>
+            <a:spLocks noGrp="1"/>
+          </p:cNvSpPr>
+          <p:nvPr>
+            <p:ph type="title"/>
+          </p:nvPr>
+        </p:nvSpPr>
+        <p:spPr/>
+        <p:txBody>
+          <a:bodyPr/>
+          <a:lstStyle/>
+          <a:p>
+            <a:r>
+              <a:rPr lang="sk-SK" dirty="0" smtClean="0"/>
+              <a:t>Výsledky</a:t>
+            </a:r>
+            <a:endParaRPr lang="sk-SK" dirty="0"/>
+          </a:p>
+        </p:txBody>
+      </p:sp>
+      <p:sp>
+        <p:nvSpPr>
+          <p:cNvPr id="3" name="Zástupný symbol textu 2"/>
+          <p:cNvSpPr>
+            <a:spLocks noGrp="1"/>
+          </p:cNvSpPr>
+          <p:nvPr>
+            <p:ph type="body"/>
+          </p:nvPr>
+        </p:nvSpPr>
+        <p:spPr/>
+        <p:txBody>
+          <a:bodyPr/>
+          <a:lstStyle/>
+          <a:p>
+            <a:endParaRPr lang="sk-SK" dirty="0"/>
+          </a:p>
+        </p:txBody>
+      </p:sp>
+      <p:pic>
+        <p:nvPicPr>
+          <p:cNvPr id="4" name="Obrázok 3"/>
+          <p:cNvPicPr>
+            <a:picLocks noChangeAspect="1"/>
+          </p:cNvPicPr>
+          <p:nvPr/>
+        </p:nvPicPr>
+        <p:blipFill>
+          <a:blip r:embed="rId2">
+            <a:extLst>
+              <a:ext uri="{28A0092B-C50C-407E-A947-70E740481C1C}">
+                <a14:useLocalDpi xmlns:a14="http://schemas.microsoft.com/office/drawing/2010/main" val="0"/>
+              </a:ext>
+            </a:extLst>
+          </a:blip>
+          <a:stretch>
+            <a:fillRect/>
+          </a:stretch>
+        </p:blipFill>
+        <p:spPr>
+          <a:xfrm>
+            <a:off x="0" y="1362881"/>
+            <a:ext cx="10058400" cy="5198558"/>
+          </a:xfrm>
+          <a:prstGeom prst="rect">
+            <a:avLst/>
+          </a:prstGeom>
+        </p:spPr>
+      </p:pic>
+    </p:spTree>
+    <p:extLst>
+      <p:ext uri="{BB962C8B-B14F-4D97-AF65-F5344CB8AC3E}">
+        <p14:creationId xmlns:p14="http://schemas.microsoft.com/office/powerpoint/2010/main" val="3963939992"/>
+      </p:ext>
+    </p:extLst>
+  </p:cSld>
+  <p:clrMapOvr>
+    <a:masterClrMapping/>
+  </p:clrMapOvr>
+</p:sld>
+</file>
+
+<file path=ppt/slides/slide7.xml><?xml version="1.0" encoding="utf-8"?>
+<p:sld xmlns:a="http://schemas.openxmlformats.org/drawingml/2006/main" xmlns:r="http://schemas.openxmlformats.org/officeDocument/2006/relationships" xmlns:p="http://schemas.openxmlformats.org/presentationml/2006/main">
+  <p:cSld>
+    <p:spTree>
+      <p:nvGrpSpPr>
+        <p:cNvPr id="1" name=""/>
+        <p:cNvGrpSpPr/>
+        <p:nvPr/>
+      </p:nvGrpSpPr>
+      <p:grpSpPr>
+        <a:xfrm>
+          <a:off x="0" y="0"/>
+          <a:ext cx="0" cy="0"/>
+          <a:chOff x="0" y="0"/>
+          <a:chExt cx="0" cy="0"/>
+        </a:xfrm>
+      </p:grpSpPr>
+      <p:sp>
+        <p:nvSpPr>
+          <p:cNvPr id="2" name="Nadpis 1"/>
+          <p:cNvSpPr>
+            <a:spLocks noGrp="1"/>
+          </p:cNvSpPr>
+          <p:nvPr>
+            <p:ph type="title"/>
+          </p:nvPr>
+        </p:nvSpPr>
+        <p:spPr/>
+        <p:txBody>
+          <a:bodyPr/>
+          <a:lstStyle/>
+          <a:p>
+            <a:r>
+              <a:rPr lang="sk-SK" dirty="0" smtClean="0"/>
+              <a:t>Výsledky</a:t>
+            </a:r>
+            <a:endParaRPr lang="sk-SK" dirty="0"/>
+          </a:p>
+        </p:txBody>
+      </p:sp>
+      <p:sp>
+        <p:nvSpPr>
+          <p:cNvPr id="3" name="Zástupný symbol textu 2"/>
+          <p:cNvSpPr>
+            <a:spLocks noGrp="1"/>
+          </p:cNvSpPr>
+          <p:nvPr>
+            <p:ph type="body"/>
+          </p:nvPr>
+        </p:nvSpPr>
+        <p:spPr/>
+        <p:txBody>
+          <a:bodyPr/>
+          <a:lstStyle/>
+          <a:p>
+            <a:endParaRPr lang="sk-SK" dirty="0"/>
+          </a:p>
+        </p:txBody>
+      </p:sp>
+      <p:pic>
+        <p:nvPicPr>
+          <p:cNvPr id="4" name="Obrázok 3"/>
+          <p:cNvPicPr>
+            <a:picLocks noChangeAspect="1"/>
+          </p:cNvPicPr>
+          <p:nvPr/>
+        </p:nvPicPr>
+        <p:blipFill>
+          <a:blip r:embed="rId2">
+            <a:extLst>
+              <a:ext uri="{28A0092B-C50C-407E-A947-70E740481C1C}">
+                <a14:useLocalDpi xmlns:a14="http://schemas.microsoft.com/office/drawing/2010/main" val="0"/>
+              </a:ext>
+            </a:extLst>
+          </a:blip>
+          <a:stretch>
+            <a:fillRect/>
+          </a:stretch>
+        </p:blipFill>
+        <p:spPr>
+          <a:xfrm>
+            <a:off x="0" y="1362881"/>
+            <a:ext cx="10058400" cy="5198558"/>
+          </a:xfrm>
+          <a:prstGeom prst="rect">
+            <a:avLst/>
+          </a:prstGeom>
+        </p:spPr>
+      </p:pic>
+    </p:spTree>
+    <p:extLst>
+      <p:ext uri="{BB962C8B-B14F-4D97-AF65-F5344CB8AC3E}">
+        <p14:creationId xmlns:p14="http://schemas.microsoft.com/office/powerpoint/2010/main" val="1471007756"/>
+      </p:ext>
+    </p:extLst>
+  </p:cSld>
+  <p:clrMapOvr>
+    <a:masterClrMapping/>
+  </p:clrMapOvr>
+</p:sld>
+</file>
+
+<file path=ppt/slides/slide8.xml><?xml version="1.0" encoding="utf-8"?>
+<p:sld xmlns:a="http://schemas.openxmlformats.org/drawingml/2006/main" xmlns:r="http://schemas.openxmlformats.org/officeDocument/2006/relationships" xmlns:p="http://schemas.openxmlformats.org/presentationml/2006/main">
+  <p:cSld>
+    <p:spTree>
+      <p:nvGrpSpPr>
+        <p:cNvPr id="1" name=""/>
+        <p:cNvGrpSpPr/>
+        <p:nvPr/>
+      </p:nvGrpSpPr>
+      <p:grpSpPr>
+        <a:xfrm>
+          <a:off x="0" y="0"/>
+          <a:ext cx="0" cy="0"/>
+          <a:chOff x="0" y="0"/>
+          <a:chExt cx="0" cy="0"/>
+        </a:xfrm>
+      </p:grpSpPr>
+      <p:sp>
+        <p:nvSpPr>
+          <p:cNvPr id="2" name="Nadpis 1"/>
+          <p:cNvSpPr>
+            <a:spLocks noGrp="1"/>
+          </p:cNvSpPr>
+          <p:nvPr>
+            <p:ph type="title"/>
+          </p:nvPr>
+        </p:nvSpPr>
+        <p:spPr/>
+        <p:txBody>
+          <a:bodyPr/>
+          <a:lstStyle/>
+          <a:p>
+            <a:r>
+              <a:rPr lang="sk-SK" dirty="0" smtClean="0"/>
+              <a:t>Výsledky</a:t>
+            </a:r>
+            <a:endParaRPr lang="sk-SK" dirty="0"/>
+          </a:p>
+        </p:txBody>
+      </p:sp>
+      <p:sp>
+        <p:nvSpPr>
+          <p:cNvPr id="3" name="Zástupný symbol textu 2"/>
+          <p:cNvSpPr>
+            <a:spLocks noGrp="1"/>
+          </p:cNvSpPr>
+          <p:nvPr>
+            <p:ph type="body"/>
+          </p:nvPr>
+        </p:nvSpPr>
+        <p:spPr/>
+        <p:txBody>
+          <a:bodyPr/>
+          <a:lstStyle/>
+          <a:p>
+            <a:endParaRPr lang="sk-SK"/>
+          </a:p>
+        </p:txBody>
+      </p:sp>
+      <p:pic>
+        <p:nvPicPr>
+          <p:cNvPr id="4" name="Obrázok 3"/>
+          <p:cNvPicPr>
+            <a:picLocks noChangeAspect="1"/>
+          </p:cNvPicPr>
+          <p:nvPr/>
+        </p:nvPicPr>
+        <p:blipFill>
+          <a:blip r:embed="rId2">
+            <a:extLst>
+              <a:ext uri="{28A0092B-C50C-407E-A947-70E740481C1C}">
+                <a14:useLocalDpi xmlns:a14="http://schemas.microsoft.com/office/drawing/2010/main" val="0"/>
+              </a:ext>
+            </a:extLst>
+          </a:blip>
+          <a:stretch>
+            <a:fillRect/>
+          </a:stretch>
+        </p:blipFill>
+        <p:spPr>
+          <a:xfrm>
+            <a:off x="19050" y="1563840"/>
+            <a:ext cx="10058400" cy="5198558"/>
+          </a:xfrm>
+          <a:prstGeom prst="rect">
+            <a:avLst/>
+          </a:prstGeom>
+        </p:spPr>
+      </p:pic>
+    </p:spTree>
+    <p:extLst>
+      <p:ext uri="{BB962C8B-B14F-4D97-AF65-F5344CB8AC3E}">
+        <p14:creationId xmlns:p14="http://schemas.microsoft.com/office/powerpoint/2010/main" val="3457400666"/>
+      </p:ext>
+    </p:extLst>
+  </p:cSld>
+  <p:clrMapOvr>
+    <a:masterClrMapping/>
+  </p:clrMapOvr>
+</p:sld>
+</file>
+
+<file path=ppt/slides/slide9.xml><?xml version="1.0" encoding="utf-8"?>
+<p:sld xmlns:a="http://schemas.openxmlformats.org/drawingml/2006/main" xmlns:r="http://schemas.openxmlformats.org/officeDocument/2006/relationships" xmlns:p="http://schemas.openxmlformats.org/presentationml/2006/main">
+  <p:cSld>
+    <p:spTree>
+      <p:nvGrpSpPr>
+        <p:cNvPr id="1" name=""/>
+        <p:cNvGrpSpPr/>
+        <p:nvPr/>
+      </p:nvGrpSpPr>
+      <p:grpSpPr>
+        <a:xfrm>
+          <a:off x="0" y="0"/>
+          <a:ext cx="0" cy="0"/>
+          <a:chOff x="0" y="0"/>
+          <a:chExt cx="0" cy="0"/>
+        </a:xfrm>
+      </p:grpSpPr>
+      <p:sp>
+        <p:nvSpPr>
+          <p:cNvPr id="2" name="Nadpis 1"/>
+          <p:cNvSpPr>
+            <a:spLocks noGrp="1"/>
+          </p:cNvSpPr>
+          <p:nvPr>
+            <p:ph type="title"/>
+          </p:nvPr>
+        </p:nvSpPr>
+        <p:spPr/>
+        <p:txBody>
+          <a:bodyPr/>
+          <a:lstStyle/>
+          <a:p>
+            <a:r>
+              <a:rPr lang="sk-SK" dirty="0" smtClean="0"/>
+              <a:t>Slepá ulička</a:t>
+            </a:r>
+            <a:endParaRPr lang="sk-SK" dirty="0"/>
+          </a:p>
+        </p:txBody>
+      </p:sp>
+      <p:sp>
+        <p:nvSpPr>
+          <p:cNvPr id="3" name="Zástupný symbol textu 2"/>
+          <p:cNvSpPr>
+            <a:spLocks noGrp="1"/>
+          </p:cNvSpPr>
+          <p:nvPr>
+            <p:ph type="body"/>
+          </p:nvPr>
+        </p:nvSpPr>
+        <p:spPr/>
+        <p:txBody>
+          <a:bodyPr/>
+          <a:lstStyle/>
+          <a:p>
+            <a:endParaRPr lang="sk-SK"/>
+          </a:p>
+        </p:txBody>
+      </p:sp>
+      <p:pic>
+        <p:nvPicPr>
+          <p:cNvPr id="4" name="Obrázok 3"/>
+          <p:cNvPicPr>
+            <a:picLocks noChangeAspect="1"/>
+          </p:cNvPicPr>
+          <p:nvPr/>
+        </p:nvPicPr>
+        <p:blipFill>
+          <a:blip r:embed="rId2">
+            <a:extLst>
+              <a:ext uri="{28A0092B-C50C-407E-A947-70E740481C1C}">
+                <a14:useLocalDpi xmlns:a14="http://schemas.microsoft.com/office/drawing/2010/main" val="0"/>
+              </a:ext>
+            </a:extLst>
+          </a:blip>
+          <a:stretch>
+            <a:fillRect/>
+          </a:stretch>
+        </p:blipFill>
+        <p:spPr>
+          <a:xfrm>
+            <a:off x="0" y="1563840"/>
+            <a:ext cx="10058400" cy="5198558"/>
+          </a:xfrm>
+          <a:prstGeom prst="rect">
+            <a:avLst/>
+          </a:prstGeom>
+        </p:spPr>
+      </p:pic>
+    </p:spTree>
+    <p:extLst>
+      <p:ext uri="{BB962C8B-B14F-4D97-AF65-F5344CB8AC3E}">
+        <p14:creationId xmlns:p14="http://schemas.microsoft.com/office/powerpoint/2010/main" val="4192423885"/>
+      </p:ext>
+    </p:extLst>
+  </p:cSld>
+  <p:clrMapOvr>
+    <a:masterClrMapping/>
+  </p:clrMapOvr>
 </p:sld>
 </file>
 
@@ -2527,5 +4411,7 @@
       </a:bgFillStyleLst>
     </a:fmtScheme>
   </a:themeElements>
+  <a:objectDefaults/>
+  <a:extraClrSchemeLst/>
 </a:theme>
 </file>
--- a/prezentacia.pptx
+++ b/prezentacia.pptx
@@ -2165,82 +2165,67 @@
       </p:grpSpPr>
       <p:sp>
         <p:nvSpPr>
-          <p:cNvPr id="2" name="Nadpis 1"/>
-          <p:cNvSpPr>
-            <a:spLocks noGrp="1"/>
-          </p:cNvSpPr>
-          <p:nvPr>
-            <p:ph type="title"/>
-          </p:nvPr>
-        </p:nvSpPr>
-        <p:spPr/>
+          <p:cNvPr id="3" name="Zástupný symbol textu 2"/>
+          <p:cNvSpPr>
+            <a:spLocks noGrp="1"/>
+          </p:cNvSpPr>
+          <p:nvPr>
+            <p:ph type="body"/>
+          </p:nvPr>
+        </p:nvSpPr>
+        <p:spPr>
+          <a:xfrm>
+            <a:off x="503640" y="1769399"/>
+            <a:ext cx="9068760" cy="5039363"/>
+          </a:xfrm>
+        </p:spPr>
         <p:txBody>
           <a:bodyPr/>
           <a:lstStyle/>
           <a:p>
-            <a:r>
-              <a:rPr lang="sk-SK" dirty="0" smtClean="0"/>
-              <a:t>Riešenie</a:t>
-            </a:r>
-            <a:endParaRPr lang="sk-SK" dirty="0"/>
-          </a:p>
-        </p:txBody>
-      </p:sp>
-      <p:sp>
-        <p:nvSpPr>
-          <p:cNvPr id="3" name="Zástupný symbol textu 2"/>
-          <p:cNvSpPr>
-            <a:spLocks noGrp="1"/>
-          </p:cNvSpPr>
-          <p:nvPr>
-            <p:ph type="body"/>
-          </p:nvPr>
-        </p:nvSpPr>
-        <p:spPr>
-          <a:xfrm>
-            <a:off x="203316" y="1563840"/>
-            <a:ext cx="9369084" cy="5602071"/>
-          </a:xfrm>
-        </p:spPr>
-        <p:txBody>
-          <a:bodyPr/>
-          <a:lstStyle/>
-          <a:p>
-            <a:r>
-              <a:rPr lang="sk-SK" dirty="0" smtClean="0"/>
+            <a:pPr marL="457200" indent="-457200">
+              <a:buFont typeface="Arial" panose="020B0604020202020204" pitchFamily="34" charset="0"/>
+              <a:buChar char="•"/>
+            </a:pPr>
+            <a:r>
+              <a:rPr lang="sk-SK" sz="3200" dirty="0" smtClean="0"/>
               <a:t>Odstránili sme články s </a:t>
             </a:r>
             <a:r>
-              <a:rPr lang="sk-SK" dirty="0" err="1" smtClean="0"/>
+              <a:rPr lang="sk-SK" sz="3200" dirty="0" err="1" smtClean="0"/>
               <a:t>čítanosťou</a:t>
             </a:r>
             <a:r>
-              <a:rPr lang="sk-SK" dirty="0" smtClean="0"/>
+              <a:rPr lang="sk-SK" sz="3200" dirty="0" smtClean="0"/>
               <a:t> nad 10 000            </a:t>
             </a:r>
           </a:p>
           <a:p>
-            <a:pPr lvl="1"/>
+            <a:pPr marL="742950" lvl="8" indent="-285750"/>
             <a:r>
               <a:rPr lang="sk-SK" dirty="0" smtClean="0"/>
               <a:t>141 článkov</a:t>
             </a:r>
           </a:p>
           <a:p>
-            <a:r>
-              <a:rPr lang="sk-SK" dirty="0" smtClean="0"/>
+            <a:pPr marL="457200" indent="-457200">
+              <a:buFont typeface="Arial" panose="020B0604020202020204" pitchFamily="34" charset="0"/>
+              <a:buChar char="•"/>
+            </a:pPr>
+            <a:r>
+              <a:rPr lang="sk-SK" sz="3200" dirty="0" smtClean="0"/>
               <a:t>Zlepšenie výsledkov </a:t>
             </a:r>
           </a:p>
           <a:p>
-            <a:pPr lvl="1"/>
+            <a:pPr marL="742950" lvl="7" indent="-285750"/>
             <a:r>
               <a:rPr lang="sk-SK" dirty="0" smtClean="0"/>
               <a:t>CV predtým =  8,73</a:t>
             </a:r>
           </a:p>
           <a:p>
-            <a:pPr lvl="1"/>
+            <a:pPr marL="742950" lvl="6" indent="-285750"/>
             <a:r>
               <a:rPr lang="sk-SK" dirty="0" smtClean="0"/>
               <a:t>CV potom = 7,7</a:t>
@@ -2248,13 +2233,17 @@
             <a:endParaRPr lang="sk-SK" dirty="0"/>
           </a:p>
           <a:p>
-            <a:r>
-              <a:rPr lang="sk-SK" dirty="0" smtClean="0"/>
+            <a:pPr marL="457200" indent="-457200">
+              <a:buFont typeface="Arial" panose="020B0604020202020204" pitchFamily="34" charset="0"/>
+              <a:buChar char="•"/>
+            </a:pPr>
+            <a:r>
+              <a:rPr lang="sk-SK" sz="3200" dirty="0" smtClean="0"/>
               <a:t>Pridanie nových atribútov do vektoru </a:t>
             </a:r>
           </a:p>
           <a:p>
-            <a:pPr lvl="1"/>
+            <a:pPr marL="742950" lvl="4" indent="-285750"/>
             <a:r>
               <a:rPr lang="sk-SK" dirty="0" smtClean="0"/>
               <a:t>Počet slov (CV </a:t>
@@ -2269,14 +2258,14 @@
             </a:r>
           </a:p>
           <a:p>
-            <a:pPr lvl="1"/>
+            <a:pPr marL="742950" lvl="4" indent="-285750"/>
             <a:r>
               <a:rPr lang="sk-SK" dirty="0" smtClean="0"/>
               <a:t>Kategória (CV = 7,1)</a:t>
             </a:r>
           </a:p>
           <a:p>
-            <a:pPr lvl="1"/>
+            <a:pPr marL="742950" lvl="4" indent="-285750"/>
             <a:r>
               <a:rPr lang="sk-SK" dirty="0" smtClean="0"/>
               <a:t>Sekcia, SME kategória (</a:t>
@@ -2297,27 +2286,31 @@
             </a:r>
           </a:p>
           <a:p>
-            <a:pPr lvl="1"/>
+            <a:pPr marL="742950" lvl="4" indent="-285750"/>
             <a:r>
               <a:rPr lang="sk-SK" dirty="0" smtClean="0"/>
               <a:t>Pridanie času (CV = 7,12)</a:t>
             </a:r>
           </a:p>
           <a:p>
-            <a:r>
-              <a:rPr lang="sk-SK" dirty="0" smtClean="0"/>
+            <a:pPr marL="457200" indent="-457200">
+              <a:buFont typeface="Arial" panose="020B0604020202020204" pitchFamily="34" charset="0"/>
+              <a:buChar char="•"/>
+            </a:pPr>
+            <a:r>
+              <a:rPr lang="sk-SK" sz="3200" dirty="0" smtClean="0"/>
               <a:t>Najlepší výsledok</a:t>
             </a:r>
           </a:p>
           <a:p>
-            <a:pPr lvl="1"/>
+            <a:pPr marL="800100" lvl="3" indent="-342900"/>
             <a:r>
               <a:rPr lang="sk-SK" dirty="0" smtClean="0"/>
               <a:t>Priemerná chyba = 421</a:t>
             </a:r>
           </a:p>
           <a:p>
-            <a:pPr lvl="1"/>
+            <a:pPr marL="800100" lvl="3" indent="-342900"/>
             <a:r>
               <a:rPr lang="sk-SK" dirty="0" smtClean="0"/>
               <a:t>Medián chyby = 68,7</a:t>
@@ -2328,6 +2321,29 @@
               <a:buNone/>
             </a:pPr>
             <a:endParaRPr lang="sk-SK" dirty="0" smtClean="0"/>
+          </a:p>
+        </p:txBody>
+      </p:sp>
+      <p:sp>
+        <p:nvSpPr>
+          <p:cNvPr id="2" name="Nadpis 1"/>
+          <p:cNvSpPr>
+            <a:spLocks noGrp="1"/>
+          </p:cNvSpPr>
+          <p:nvPr>
+            <p:ph type="title"/>
+          </p:nvPr>
+        </p:nvSpPr>
+        <p:spPr/>
+        <p:txBody>
+          <a:bodyPr/>
+          <a:lstStyle/>
+          <a:p>
+            <a:r>
+              <a:rPr lang="sk-SK" dirty="0" smtClean="0"/>
+              <a:t>Riešenie</a:t>
+            </a:r>
+            <a:endParaRPr lang="sk-SK" dirty="0"/>
           </a:p>
         </p:txBody>
       </p:sp>
@@ -2341,6 +2357,13 @@
   <p:clrMapOvr>
     <a:masterClrMapping/>
   </p:clrMapOvr>
+  <p:timing>
+    <p:tnLst>
+      <p:par>
+        <p:cTn id="1" dur="indefinite" restart="never" nodeType="tmRoot"/>
+      </p:par>
+    </p:tnLst>
+  </p:timing>
 </p:sld>
 </file>
 
@@ -2503,6 +2526,152 @@
       </p:grpSpPr>
       <p:sp>
         <p:nvSpPr>
+          <p:cNvPr id="3" name="Podnadpis 2"/>
+          <p:cNvSpPr>
+            <a:spLocks noGrp="1"/>
+          </p:cNvSpPr>
+          <p:nvPr>
+            <p:ph type="body"/>
+          </p:nvPr>
+        </p:nvSpPr>
+        <p:spPr/>
+        <p:txBody>
+          <a:bodyPr/>
+          <a:lstStyle/>
+          <a:p>
+            <a:pPr marL="457200" indent="-457200">
+              <a:buFont typeface="Arial" panose="020B0604020202020204" pitchFamily="34" charset="0"/>
+              <a:buChar char="•"/>
+            </a:pPr>
+            <a:r>
+              <a:rPr lang="sk-SK" sz="3200" dirty="0" smtClean="0">
+                <a:latin typeface="+mn-lt"/>
+              </a:rPr>
+              <a:t>Pridanie nových </a:t>
+            </a:r>
+            <a:r>
+              <a:rPr lang="sk-SK" sz="3200" dirty="0" smtClean="0">
+                <a:latin typeface="+mn-lt"/>
+              </a:rPr>
+              <a:t>atribútov</a:t>
+            </a:r>
+            <a:endParaRPr lang="en-US" sz="3200" dirty="0" smtClean="0">
+              <a:latin typeface="+mn-lt"/>
+            </a:endParaRPr>
+          </a:p>
+          <a:p>
+            <a:pPr marL="171450" lvl="5" indent="-171450">
+              <a:buFont typeface="Arial" panose="020B0604020202020204" pitchFamily="34" charset="0"/>
+              <a:buChar char="•"/>
+            </a:pPr>
+            <a:endParaRPr lang="sk-SK" sz="600" dirty="0" smtClean="0"/>
+          </a:p>
+          <a:p>
+            <a:pPr marL="742950" lvl="2" indent="-285750"/>
+            <a:r>
+              <a:rPr lang="sk-SK" sz="2400" dirty="0">
+                <a:latin typeface="+mn-lt"/>
+              </a:rPr>
+              <a:t>Je uvedený na titulnej strane alebo nie je</a:t>
+            </a:r>
+            <a:r>
+              <a:rPr lang="sk-SK" sz="2400" dirty="0" smtClean="0">
+                <a:latin typeface="+mn-lt"/>
+              </a:rPr>
+              <a:t>?</a:t>
+            </a:r>
+          </a:p>
+          <a:p>
+            <a:pPr marL="742950" lvl="2" indent="-285750"/>
+            <a:r>
+              <a:rPr lang="sk-SK" sz="2400" dirty="0" smtClean="0">
+                <a:latin typeface="+mn-lt"/>
+              </a:rPr>
+              <a:t>Analýza fotografie</a:t>
+            </a:r>
+          </a:p>
+          <a:p>
+            <a:pPr marL="742950" lvl="2" indent="-285750"/>
+            <a:r>
+              <a:rPr lang="sk-SK" sz="2400" dirty="0" smtClean="0">
+                <a:latin typeface="+mn-lt"/>
+              </a:rPr>
+              <a:t>Analýza nadpisu </a:t>
+            </a:r>
+          </a:p>
+          <a:p>
+            <a:pPr marL="742950" lvl="2" indent="-285750"/>
+            <a:r>
+              <a:rPr lang="sk-SK" sz="2400" dirty="0" smtClean="0">
+                <a:latin typeface="+mn-lt"/>
+              </a:rPr>
+              <a:t>Iná metrika popularity</a:t>
+            </a:r>
+          </a:p>
+          <a:p>
+            <a:pPr marL="742950" lvl="2" indent="-285750"/>
+            <a:r>
+              <a:rPr lang="sk-SK" sz="2400" dirty="0" smtClean="0">
+                <a:latin typeface="+mn-lt"/>
+              </a:rPr>
+              <a:t>Presnejšia </a:t>
+            </a:r>
+            <a:r>
+              <a:rPr lang="sk-SK" sz="2400" dirty="0" err="1" smtClean="0">
+                <a:latin typeface="+mn-lt"/>
+              </a:rPr>
+              <a:t>lematizácia</a:t>
+            </a:r>
+            <a:endParaRPr lang="sk-SK" sz="2400" dirty="0">
+              <a:latin typeface="+mn-lt"/>
+            </a:endParaRPr>
+          </a:p>
+          <a:p>
+            <a:pPr marL="742950" lvl="2" indent="-285750"/>
+            <a:r>
+              <a:rPr lang="sk-SK" sz="2400" dirty="0" smtClean="0">
+                <a:latin typeface="+mn-lt"/>
+              </a:rPr>
+              <a:t>Podobnosť slov, </a:t>
+            </a:r>
+            <a:r>
+              <a:rPr lang="sk-SK" sz="2400" dirty="0" err="1" smtClean="0">
+                <a:latin typeface="+mn-lt"/>
+              </a:rPr>
+              <a:t>synonýma</a:t>
+            </a:r>
+            <a:endParaRPr lang="sk-SK" sz="2400" dirty="0" smtClean="0">
+              <a:latin typeface="+mn-lt"/>
+            </a:endParaRPr>
+          </a:p>
+          <a:p>
+            <a:pPr marL="457200" indent="-457200">
+              <a:buFont typeface="Arial" panose="020B0604020202020204" pitchFamily="34" charset="0"/>
+              <a:buChar char="•"/>
+            </a:pPr>
+            <a:r>
+              <a:rPr lang="sk-SK" sz="3200" dirty="0" smtClean="0"/>
+              <a:t>Vyskúšať iné modely</a:t>
+            </a:r>
+          </a:p>
+          <a:p>
+            <a:pPr lvl="1"/>
+            <a:r>
+              <a:rPr lang="sk-SK" dirty="0" smtClean="0"/>
+              <a:t>Iné regresné modely</a:t>
+            </a:r>
+          </a:p>
+          <a:p>
+            <a:pPr lvl="1"/>
+            <a:r>
+              <a:rPr lang="sk-SK" dirty="0" smtClean="0"/>
+              <a:t>Nerúnové siete</a:t>
+            </a:r>
+          </a:p>
+        </p:txBody>
+      </p:sp>
+      <p:sp>
+        <p:nvSpPr>
           <p:cNvPr id="2" name="Nadpis 1"/>
           <p:cNvSpPr>
             <a:spLocks noGrp="1"/>
@@ -2521,109 +2690,6 @@
               <a:t>Čo ďalej</a:t>
             </a:r>
             <a:endParaRPr lang="sk-SK" dirty="0"/>
-          </a:p>
-        </p:txBody>
-      </p:sp>
-      <p:sp>
-        <p:nvSpPr>
-          <p:cNvPr id="3" name="Podnadpis 2"/>
-          <p:cNvSpPr>
-            <a:spLocks noGrp="1"/>
-          </p:cNvSpPr>
-          <p:nvPr>
-            <p:ph type="subTitle"/>
-          </p:nvPr>
-        </p:nvSpPr>
-        <p:spPr>
-          <a:xfrm>
-            <a:off x="503640" y="1495828"/>
-            <a:ext cx="9068760" cy="4370400"/>
-          </a:xfrm>
-        </p:spPr>
-        <p:txBody>
-          <a:bodyPr/>
-          <a:lstStyle/>
-          <a:p>
-            <a:r>
-              <a:rPr lang="sk-SK" dirty="0" smtClean="0"/>
-              <a:t>Pridanie nových atribútov</a:t>
-            </a:r>
-          </a:p>
-          <a:p>
-            <a:pPr lvl="1"/>
-            <a:r>
-              <a:rPr lang="sk-SK" dirty="0"/>
-              <a:t>Je uvedený na titulnej strane alebo nie je</a:t>
-            </a:r>
-            <a:r>
-              <a:rPr lang="sk-SK" dirty="0" smtClean="0"/>
-              <a:t>?</a:t>
-            </a:r>
-          </a:p>
-          <a:p>
-            <a:pPr lvl="1"/>
-            <a:r>
-              <a:rPr lang="sk-SK" dirty="0" smtClean="0"/>
-              <a:t>Analýza fotografie</a:t>
-            </a:r>
-          </a:p>
-          <a:p>
-            <a:pPr lvl="1"/>
-            <a:r>
-              <a:rPr lang="sk-SK" dirty="0" smtClean="0"/>
-              <a:t>Analýza nadpisu </a:t>
-            </a:r>
-          </a:p>
-          <a:p>
-            <a:pPr lvl="1"/>
-            <a:r>
-              <a:rPr lang="sk-SK" dirty="0" smtClean="0"/>
-              <a:t>Iná metrika popularity</a:t>
-            </a:r>
-          </a:p>
-          <a:p>
-            <a:pPr lvl="1"/>
-            <a:r>
-              <a:rPr lang="sk-SK" dirty="0" smtClean="0"/>
-              <a:t>Presnejšia </a:t>
-            </a:r>
-            <a:r>
-              <a:rPr lang="sk-SK" dirty="0" err="1" smtClean="0"/>
-              <a:t>lematizácia</a:t>
-            </a:r>
-            <a:endParaRPr lang="sk-SK" dirty="0"/>
-          </a:p>
-          <a:p>
-            <a:pPr lvl="1"/>
-            <a:r>
-              <a:rPr lang="sk-SK" dirty="0" smtClean="0"/>
-              <a:t>Podobnosť slov, </a:t>
-            </a:r>
-            <a:r>
-              <a:rPr lang="sk-SK" dirty="0" err="1" smtClean="0"/>
-              <a:t>synonýma</a:t>
-            </a:r>
-            <a:endParaRPr lang="sk-SK" dirty="0" smtClean="0"/>
-          </a:p>
-          <a:p>
-            <a:r>
-              <a:rPr lang="sk-SK" dirty="0" smtClean="0"/>
-              <a:t>Vyskúšať iné modely</a:t>
-            </a:r>
-          </a:p>
-          <a:p>
-            <a:pPr lvl="1"/>
-            <a:r>
-              <a:rPr lang="sk-SK" dirty="0" smtClean="0"/>
-              <a:t>Iné regresné modely</a:t>
-            </a:r>
-          </a:p>
-          <a:p>
-            <a:pPr lvl="1"/>
-            <a:r>
-              <a:rPr lang="sk-SK" dirty="0" smtClean="0"/>
-              <a:t>Nerúnové siete</a:t>
-            </a:r>
           </a:p>
         </p:txBody>
       </p:sp>
@@ -2637,6 +2703,13 @@
   <p:clrMapOvr>
     <a:masterClrMapping/>
   </p:clrMapOvr>
+  <p:timing>
+    <p:tnLst>
+      <p:par>
+        <p:cTn id="1" dur="indefinite" restart="never" nodeType="tmRoot"/>
+      </p:par>
+    </p:tnLst>
+  </p:timing>
 </p:sld>
 </file>
 
@@ -2866,25 +2939,13 @@
               <a:t> </a:t>
             </a:r>
             <a:r>
-              <a:rPr lang="en-US" sz="2800" dirty="0" err="1">
-                <a:latin typeface="Arial"/>
-              </a:rPr>
-              <a:t>nie</a:t>
-            </a:r>
-            <a:r>
-              <a:rPr lang="en-US" sz="2800" dirty="0">
-                <a:latin typeface="Arial"/>
-              </a:rPr>
-              <a:t> </a:t>
-            </a:r>
-            <a:r>
-              <a:rPr lang="en-US" sz="2800" dirty="0" err="1">
+              <a:rPr lang="en-US" sz="2800" dirty="0" err="1" smtClean="0">
                 <a:latin typeface="Arial"/>
               </a:rPr>
               <a:t>unikátnych</a:t>
             </a:r>
             <a:r>
-              <a:rPr lang="en-US" sz="2800" dirty="0">
+              <a:rPr lang="en-US" sz="2800" dirty="0" smtClean="0">
                 <a:latin typeface="Arial"/>
               </a:rPr>
               <a:t> </a:t>
@@ -3580,6 +3641,33 @@
       </p:grpSpPr>
       <p:sp>
         <p:nvSpPr>
+          <p:cNvPr id="2" name="Nadpis 1"/>
+          <p:cNvSpPr>
+            <a:spLocks noGrp="1"/>
+          </p:cNvSpPr>
+          <p:nvPr>
+            <p:ph type="title"/>
+          </p:nvPr>
+        </p:nvSpPr>
+        <p:spPr/>
+        <p:txBody>
+          <a:bodyPr/>
+          <a:lstStyle/>
+          <a:p>
+            <a:r>
+              <a:rPr lang="sk-SK" dirty="0"/>
+              <a:t>V</a:t>
+            </a:r>
+            <a:r>
+              <a:rPr lang="sk-SK" dirty="0" smtClean="0"/>
+              <a:t>ýsledky</a:t>
+            </a:r>
+            <a:endParaRPr lang="sk-SK" dirty="0"/>
+          </a:p>
+        </p:txBody>
+      </p:sp>
+      <p:sp>
+        <p:nvSpPr>
           <p:cNvPr id="4" name="Zástupný symbol textu 3"/>
           <p:cNvSpPr>
             <a:spLocks noGrp="1"/>
@@ -3588,22 +3676,21 @@
             <p:ph type="body"/>
           </p:nvPr>
         </p:nvSpPr>
-        <p:spPr>
-          <a:xfrm>
-            <a:off x="503640" y="1563840"/>
-            <a:ext cx="9068760" cy="4385520"/>
-          </a:xfrm>
-        </p:spPr>
+        <p:spPr/>
         <p:txBody>
           <a:bodyPr/>
           <a:lstStyle/>
           <a:p>
-            <a:r>
-              <a:rPr lang="en-US" dirty="0" err="1" smtClean="0"/>
+            <a:pPr marL="457200" indent="-457200">
+              <a:buFont typeface="Arial" panose="020B0604020202020204" pitchFamily="34" charset="0"/>
+              <a:buChar char="•"/>
+            </a:pPr>
+            <a:r>
+              <a:rPr lang="en-US" sz="3200" dirty="0" err="1" smtClean="0"/>
               <a:t>Prv</a:t>
             </a:r>
             <a:r>
-              <a:rPr lang="sk-SK" dirty="0" smtClean="0"/>
+              <a:rPr lang="sk-SK" sz="3200" dirty="0" smtClean="0"/>
               <a:t>ý pokus</a:t>
             </a:r>
           </a:p>
@@ -3671,24 +3758,31 @@
             <a:pPr lvl="1"/>
             <a:r>
               <a:rPr lang="sk-SK" dirty="0" smtClean="0"/>
-              <a:t>Medián = 157</a:t>
-            </a:r>
-            <a:endParaRPr lang="sk-SK" dirty="0"/>
-          </a:p>
-          <a:p>
+              <a:t>Medián = </a:t>
+            </a:r>
             <a:r>
               <a:rPr lang="sk-SK" dirty="0" smtClean="0"/>
+              <a:t>157</a:t>
+            </a:r>
+          </a:p>
+          <a:p>
+            <a:pPr marL="571500" indent="-571500">
+              <a:buFont typeface="Arial" panose="020B0604020202020204" pitchFamily="34" charset="0"/>
+              <a:buChar char="•"/>
+            </a:pPr>
+            <a:r>
+              <a:rPr lang="sk-SK" sz="3200" dirty="0" smtClean="0"/>
               <a:t>Ďalšie pokusy s viac slovami: </a:t>
             </a:r>
           </a:p>
           <a:p>
-            <a:pPr lvl="1"/>
-            <a:r>
-              <a:rPr lang="sk-SK" dirty="0" smtClean="0"/>
+            <a:pPr marL="914400" lvl="2" indent="-457200"/>
+            <a:r>
+              <a:rPr lang="sk-SK" sz="2400" dirty="0" smtClean="0"/>
               <a:t>404, 1079, 1357, </a:t>
             </a:r>
             <a:r>
-              <a:rPr lang="sk-SK" b="1" dirty="0" smtClean="0">
+              <a:rPr lang="sk-SK" sz="2400" b="1" dirty="0" smtClean="0">
                 <a:solidFill>
                   <a:schemeClr val="accent3">
                     <a:lumMod val="50000"/>
@@ -3698,11 +3792,11 @@
               <a:t>2649</a:t>
             </a:r>
             <a:r>
-              <a:rPr lang="sk-SK" b="1" dirty="0" smtClean="0"/>
+              <a:rPr lang="sk-SK" sz="2400" b="1" dirty="0" smtClean="0"/>
               <a:t>,</a:t>
             </a:r>
             <a:r>
-              <a:rPr lang="sk-SK" b="1" dirty="0" smtClean="0">
+              <a:rPr lang="sk-SK" sz="2400" b="1" dirty="0" smtClean="0">
                 <a:solidFill>
                   <a:schemeClr val="accent3"/>
                 </a:solidFill>
@@ -3710,7 +3804,7 @@
               <a:t> </a:t>
             </a:r>
             <a:r>
-              <a:rPr lang="sk-SK" b="1" dirty="0" smtClean="0">
+              <a:rPr lang="sk-SK" sz="2400" b="1" dirty="0" smtClean="0">
                 <a:solidFill>
                   <a:srgbClr val="C00000"/>
                 </a:solidFill>
@@ -3718,7 +3812,15 @@
               <a:t>4056</a:t>
             </a:r>
             <a:r>
-              <a:rPr lang="sk-SK" dirty="0" smtClean="0"/>
+              <a:rPr lang="en-US" sz="2400" b="1" dirty="0" smtClean="0">
+                <a:solidFill>
+                  <a:srgbClr val="C00000"/>
+                </a:solidFill>
+              </a:rPr>
+              <a:t>, 5006</a:t>
+            </a:r>
+            <a:r>
+              <a:rPr lang="sk-SK" sz="2400" dirty="0" smtClean="0"/>
               <a:t> </a:t>
             </a:r>
           </a:p>
@@ -3733,33 +3835,6 @@
               <a:buNone/>
             </a:pPr>
             <a:endParaRPr lang="sk-SK" dirty="0" smtClean="0"/>
-          </a:p>
-        </p:txBody>
-      </p:sp>
-      <p:sp>
-        <p:nvSpPr>
-          <p:cNvPr id="2" name="Nadpis 1"/>
-          <p:cNvSpPr>
-            <a:spLocks noGrp="1"/>
-          </p:cNvSpPr>
-          <p:nvPr>
-            <p:ph type="title"/>
-          </p:nvPr>
-        </p:nvSpPr>
-        <p:spPr/>
-        <p:txBody>
-          <a:bodyPr/>
-          <a:lstStyle/>
-          <a:p>
-            <a:r>
-              <a:rPr lang="sk-SK" dirty="0"/>
-              <a:t>V</a:t>
-            </a:r>
-            <a:r>
-              <a:rPr lang="sk-SK" dirty="0" smtClean="0"/>
-              <a:t>ýsledky</a:t>
-            </a:r>
-            <a:endParaRPr lang="sk-SK" dirty="0"/>
           </a:p>
         </p:txBody>
       </p:sp>
@@ -3823,25 +3898,6 @@
           </a:p>
         </p:txBody>
       </p:sp>
-      <p:sp>
-        <p:nvSpPr>
-          <p:cNvPr id="3" name="Zástupný symbol textu 2"/>
-          <p:cNvSpPr>
-            <a:spLocks noGrp="1"/>
-          </p:cNvSpPr>
-          <p:nvPr>
-            <p:ph type="body"/>
-          </p:nvPr>
-        </p:nvSpPr>
-        <p:spPr/>
-        <p:txBody>
-          <a:bodyPr/>
-          <a:lstStyle/>
-          <a:p>
-            <a:endParaRPr lang="sk-SK" dirty="0"/>
-          </a:p>
-        </p:txBody>
-      </p:sp>
       <p:pic>
         <p:nvPicPr>
           <p:cNvPr id="4" name="Obrázok 3"/>
@@ -3882,6 +3938,13 @@
   <p:clrMapOvr>
     <a:masterClrMapping/>
   </p:clrMapOvr>
+  <p:timing>
+    <p:tnLst>
+      <p:par>
+        <p:cTn id="1" dur="indefinite" restart="never" nodeType="tmRoot"/>
+      </p:par>
+    </p:tnLst>
+  </p:timing>
 </p:sld>
 </file>
 
@@ -3912,7 +3975,12 @@
             <p:ph type="title"/>
           </p:nvPr>
         </p:nvSpPr>
-        <p:spPr/>
+        <p:spPr>
+          <a:xfrm>
+            <a:off x="494820" y="343524"/>
+            <a:ext cx="9068760" cy="1262520"/>
+          </a:xfrm>
+        </p:spPr>
         <p:txBody>
           <a:bodyPr/>
           <a:lstStyle/>
@@ -3921,25 +3989,6 @@
               <a:rPr lang="sk-SK" dirty="0" smtClean="0"/>
               <a:t>Výsledky</a:t>
             </a:r>
-            <a:endParaRPr lang="sk-SK" dirty="0"/>
-          </a:p>
-        </p:txBody>
-      </p:sp>
-      <p:sp>
-        <p:nvSpPr>
-          <p:cNvPr id="3" name="Zástupný symbol textu 2"/>
-          <p:cNvSpPr>
-            <a:spLocks noGrp="1"/>
-          </p:cNvSpPr>
-          <p:nvPr>
-            <p:ph type="body"/>
-          </p:nvPr>
-        </p:nvSpPr>
-        <p:spPr/>
-        <p:txBody>
-          <a:bodyPr/>
-          <a:lstStyle/>
-          <a:p>
             <a:endParaRPr lang="sk-SK" dirty="0"/>
           </a:p>
         </p:txBody>
@@ -3984,6 +4033,13 @@
   <p:clrMapOvr>
     <a:masterClrMapping/>
   </p:clrMapOvr>
+  <p:timing>
+    <p:tnLst>
+      <p:par>
+        <p:cTn id="1" dur="indefinite" restart="never" nodeType="tmRoot"/>
+      </p:par>
+    </p:tnLst>
+  </p:timing>
 </p:sld>
 </file>
 
@@ -4027,25 +4083,6 @@
           </a:p>
         </p:txBody>
       </p:sp>
-      <p:sp>
-        <p:nvSpPr>
-          <p:cNvPr id="3" name="Zástupný symbol textu 2"/>
-          <p:cNvSpPr>
-            <a:spLocks noGrp="1"/>
-          </p:cNvSpPr>
-          <p:nvPr>
-            <p:ph type="body"/>
-          </p:nvPr>
-        </p:nvSpPr>
-        <p:spPr/>
-        <p:txBody>
-          <a:bodyPr/>
-          <a:lstStyle/>
-          <a:p>
-            <a:endParaRPr lang="sk-SK"/>
-          </a:p>
-        </p:txBody>
-      </p:sp>
       <p:pic>
         <p:nvPicPr>
           <p:cNvPr id="4" name="Obrázok 3"/>
@@ -4086,6 +4123,13 @@
   <p:clrMapOvr>
     <a:masterClrMapping/>
   </p:clrMapOvr>
+  <p:timing>
+    <p:tnLst>
+      <p:par>
+        <p:cTn id="1" dur="indefinite" restart="never" nodeType="tmRoot"/>
+      </p:par>
+    </p:tnLst>
+  </p:timing>
 </p:sld>
 </file>
 
@@ -4129,25 +4173,6 @@
           </a:p>
         </p:txBody>
       </p:sp>
-      <p:sp>
-        <p:nvSpPr>
-          <p:cNvPr id="3" name="Zástupný symbol textu 2"/>
-          <p:cNvSpPr>
-            <a:spLocks noGrp="1"/>
-          </p:cNvSpPr>
-          <p:nvPr>
-            <p:ph type="body"/>
-          </p:nvPr>
-        </p:nvSpPr>
-        <p:spPr/>
-        <p:txBody>
-          <a:bodyPr/>
-          <a:lstStyle/>
-          <a:p>
-            <a:endParaRPr lang="sk-SK"/>
-          </a:p>
-        </p:txBody>
-      </p:sp>
       <p:pic>
         <p:nvPicPr>
           <p:cNvPr id="4" name="Obrázok 3"/>
@@ -4188,6 +4213,13 @@
   <p:clrMapOvr>
     <a:masterClrMapping/>
   </p:clrMapOvr>
+  <p:timing>
+    <p:tnLst>
+      <p:par>
+        <p:cTn id="1" dur="indefinite" restart="never" nodeType="tmRoot"/>
+      </p:par>
+    </p:tnLst>
+  </p:timing>
 </p:sld>
 </file>
 
